--- a/ors_vivian_4_présentation.pptx
+++ b/ors_vivian_4_présentation.pptx
@@ -17,11 +17,11 @@
     <p:sldId id="435" r:id="rId11"/>
     <p:sldId id="472" r:id="rId12"/>
     <p:sldId id="473" r:id="rId13"/>
-    <p:sldId id="474" r:id="rId14"/>
-    <p:sldId id="475" r:id="rId15"/>
-    <p:sldId id="476" r:id="rId16"/>
-    <p:sldId id="477" r:id="rId17"/>
-    <p:sldId id="478" r:id="rId18"/>
+    <p:sldId id="487" r:id="rId14"/>
+    <p:sldId id="474" r:id="rId15"/>
+    <p:sldId id="488" r:id="rId16"/>
+    <p:sldId id="476" r:id="rId17"/>
+    <p:sldId id="477" r:id="rId18"/>
     <p:sldId id="479" r:id="rId19"/>
     <p:sldId id="480" r:id="rId20"/>
     <p:sldId id="481" r:id="rId21"/>
@@ -284,7 +284,7 @@
             <a:fld id="{AE0C963C-C1DB-4AFD-9DDC-0691666BF49B}" type="datetime2">
               <a:rPr lang="en-US" smtClean="0"/>
               <a:pPr/>
-              <a:t>Thursday, August 11, 2022</a:t>
+              <a:t>Friday, August 12, 2022</a:t>
             </a:fld>
             <a:endParaRPr lang="en-US" cap="all" dirty="0"/>
           </a:p>
@@ -486,7 +486,7 @@
             <a:fld id="{AE0C963C-C1DB-4AFD-9DDC-0691666BF49B}" type="datetime2">
               <a:rPr lang="en-US" smtClean="0"/>
               <a:pPr/>
-              <a:t>Thursday, August 11, 2022</a:t>
+              <a:t>Friday, August 12, 2022</a:t>
             </a:fld>
             <a:endParaRPr lang="en-US" cap="all" dirty="0"/>
           </a:p>
@@ -698,7 +698,7 @@
             <a:fld id="{AE0C963C-C1DB-4AFD-9DDC-0691666BF49B}" type="datetime2">
               <a:rPr lang="en-US" smtClean="0"/>
               <a:pPr/>
-              <a:t>Thursday, August 11, 2022</a:t>
+              <a:t>Friday, August 12, 2022</a:t>
             </a:fld>
             <a:endParaRPr lang="en-US" cap="all" dirty="0"/>
           </a:p>
@@ -900,7 +900,7 @@
             <a:fld id="{AE0C963C-C1DB-4AFD-9DDC-0691666BF49B}" type="datetime2">
               <a:rPr lang="en-US" smtClean="0"/>
               <a:pPr/>
-              <a:t>Thursday, August 11, 2022</a:t>
+              <a:t>Friday, August 12, 2022</a:t>
             </a:fld>
             <a:endParaRPr lang="en-US" cap="all" dirty="0"/>
           </a:p>
@@ -1179,7 +1179,7 @@
             <a:fld id="{AE0C963C-C1DB-4AFD-9DDC-0691666BF49B}" type="datetime2">
               <a:rPr lang="en-US" smtClean="0"/>
               <a:pPr/>
-              <a:t>Thursday, August 11, 2022</a:t>
+              <a:t>Friday, August 12, 2022</a:t>
             </a:fld>
             <a:endParaRPr lang="en-US" cap="all" dirty="0"/>
           </a:p>
@@ -1448,7 +1448,7 @@
             <a:fld id="{AE0C963C-C1DB-4AFD-9DDC-0691666BF49B}" type="datetime2">
               <a:rPr lang="en-US" smtClean="0"/>
               <a:pPr/>
-              <a:t>Thursday, August 11, 2022</a:t>
+              <a:t>Friday, August 12, 2022</a:t>
             </a:fld>
             <a:endParaRPr lang="en-US" cap="all" dirty="0"/>
           </a:p>
@@ -1864,7 +1864,7 @@
             <a:fld id="{AE0C963C-C1DB-4AFD-9DDC-0691666BF49B}" type="datetime2">
               <a:rPr lang="en-US" smtClean="0"/>
               <a:pPr/>
-              <a:t>Thursday, August 11, 2022</a:t>
+              <a:t>Friday, August 12, 2022</a:t>
             </a:fld>
             <a:endParaRPr lang="en-US" cap="all" dirty="0"/>
           </a:p>
@@ -2009,7 +2009,7 @@
             <a:fld id="{AE0C963C-C1DB-4AFD-9DDC-0691666BF49B}" type="datetime2">
               <a:rPr lang="en-US" smtClean="0"/>
               <a:pPr/>
-              <a:t>Thursday, August 11, 2022</a:t>
+              <a:t>Friday, August 12, 2022</a:t>
             </a:fld>
             <a:endParaRPr lang="en-US" cap="all" dirty="0"/>
           </a:p>
@@ -2126,7 +2126,7 @@
             <a:fld id="{AE0C963C-C1DB-4AFD-9DDC-0691666BF49B}" type="datetime2">
               <a:rPr lang="en-US" smtClean="0"/>
               <a:pPr/>
-              <a:t>Thursday, August 11, 2022</a:t>
+              <a:t>Friday, August 12, 2022</a:t>
             </a:fld>
             <a:endParaRPr lang="en-US" cap="all" dirty="0"/>
           </a:p>
@@ -2441,7 +2441,7 @@
             <a:fld id="{AE0C963C-C1DB-4AFD-9DDC-0691666BF49B}" type="datetime2">
               <a:rPr lang="en-US" smtClean="0"/>
               <a:pPr/>
-              <a:t>Thursday, August 11, 2022</a:t>
+              <a:t>Friday, August 12, 2022</a:t>
             </a:fld>
             <a:endParaRPr lang="en-US" cap="all" dirty="0"/>
           </a:p>
@@ -2733,7 +2733,7 @@
             <a:fld id="{AE0C963C-C1DB-4AFD-9DDC-0691666BF49B}" type="datetime2">
               <a:rPr lang="en-US" smtClean="0"/>
               <a:pPr/>
-              <a:t>Thursday, August 11, 2022</a:t>
+              <a:t>Friday, August 12, 2022</a:t>
             </a:fld>
             <a:endParaRPr lang="en-US" cap="all" dirty="0"/>
           </a:p>
@@ -2978,7 +2978,7 @@
             <a:fld id="{AE0C963C-C1DB-4AFD-9DDC-0691666BF49B}" type="datetime2">
               <a:rPr lang="en-US" smtClean="0"/>
               <a:pPr/>
-              <a:t>Thursday, August 11, 2022</a:t>
+              <a:t>Friday, August 12, 2022</a:t>
             </a:fld>
             <a:endParaRPr lang="en-US" cap="all" dirty="0"/>
           </a:p>
@@ -5336,17 +5336,17 @@
                 </a:solidFill>
                 <a:latin typeface="Franklin Gothic Heavy" panose="020B0903020102020204" pitchFamily="34" charset="0"/>
               </a:rPr>
-              <a:t>DIFFICULTÉS DE LA MODÉLISATION (2) :</a:t>
+              <a:t>Réponse (1) :</a:t>
             </a:r>
           </a:p>
         </p:txBody>
       </p:sp>
       <p:pic>
         <p:nvPicPr>
-          <p:cNvPr id="6" name="Graphique 5" descr="Homme">
-            <a:extLst>
-              <a:ext uri="{FF2B5EF4-FFF2-40B4-BE49-F238E27FC236}">
-                <a16:creationId xmlns:a16="http://schemas.microsoft.com/office/drawing/2014/main" id="{16F39EE2-1499-0D49-1B4F-7597847F41EB}"/>
+          <p:cNvPr id="2" name="Graphique 1" descr="Base de données">
+            <a:extLst>
+              <a:ext uri="{FF2B5EF4-FFF2-40B4-BE49-F238E27FC236}">
+                <a16:creationId xmlns:a16="http://schemas.microsoft.com/office/drawing/2014/main" id="{E29D7222-E7E2-E11E-4267-7D7F812D4865}"/>
               </a:ext>
             </a:extLst>
           </p:cNvPr>
@@ -5360,13 +5360,13 @@
           </p:nvPr>
         </p:nvPicPr>
         <p:blipFill>
-          <a:blip r:embed="rId7">
+          <a:blip r:embed="rId6">
             <a:extLst>
               <a:ext uri="{28A0092B-C50C-407E-A947-70E740481C1C}">
                 <a14:useLocalDpi xmlns:a14="http://schemas.microsoft.com/office/drawing/2010/main" val="0"/>
               </a:ext>
               <a:ext uri="{96DAC541-7B7A-43D3-8B79-37D633B846F1}">
-                <asvg:svgBlip xmlns:asvg="http://schemas.microsoft.com/office/drawing/2016/SVG/main" r:embed="rId8"/>
+                <asvg:svgBlip xmlns:asvg="http://schemas.microsoft.com/office/drawing/2016/SVG/main" r:embed="rId7"/>
               </a:ext>
             </a:extLst>
           </a:blip>
@@ -5376,79 +5376,36 @@
         </p:blipFill>
         <p:spPr>
           <a:xfrm>
-            <a:off x="1558157" y="1692268"/>
-            <a:ext cx="4403731" cy="4403731"/>
+            <a:off x="827418" y="1833826"/>
+            <a:ext cx="3913507" cy="3913507"/>
           </a:xfrm>
           <a:prstGeom prst="rect">
             <a:avLst/>
           </a:prstGeom>
         </p:spPr>
       </p:pic>
-      <p:pic>
-        <p:nvPicPr>
-          <p:cNvPr id="8" name="Graphique 7" descr="Homme">
-            <a:extLst>
-              <a:ext uri="{FF2B5EF4-FFF2-40B4-BE49-F238E27FC236}">
-                <a16:creationId xmlns:a16="http://schemas.microsoft.com/office/drawing/2014/main" id="{754F5662-D94B-F089-7F2B-E57592271F22}"/>
-              </a:ext>
-            </a:extLst>
-          </p:cNvPr>
-          <p:cNvPicPr>
-            <a:picLocks noChangeAspect="1"/>
-          </p:cNvPicPr>
+      <p:sp>
+        <p:nvSpPr>
+          <p:cNvPr id="3" name="Titre 1">
+            <a:extLst>
+              <a:ext uri="{FF2B5EF4-FFF2-40B4-BE49-F238E27FC236}">
+                <a16:creationId xmlns:a16="http://schemas.microsoft.com/office/drawing/2014/main" id="{99ABE683-36CD-CD93-CC6B-127480E8D255}"/>
+              </a:ext>
+            </a:extLst>
+          </p:cNvPr>
+          <p:cNvSpPr txBox="1">
+            <a:spLocks/>
+          </p:cNvSpPr>
           <p:nvPr>
             <p:custDataLst>
               <p:tags r:id="rId4"/>
             </p:custDataLst>
           </p:nvPr>
-        </p:nvPicPr>
-        <p:blipFill>
-          <a:blip r:embed="rId9">
-            <a:extLst>
-              <a:ext uri="{28A0092B-C50C-407E-A947-70E740481C1C}">
-                <a14:useLocalDpi xmlns:a14="http://schemas.microsoft.com/office/drawing/2010/main" val="0"/>
-              </a:ext>
-              <a:ext uri="{96DAC541-7B7A-43D3-8B79-37D633B846F1}">
-                <asvg:svgBlip xmlns:asvg="http://schemas.microsoft.com/office/drawing/2016/SVG/main" r:embed="rId10"/>
-              </a:ext>
-            </a:extLst>
-          </a:blip>
-          <a:stretch>
-            <a:fillRect/>
-          </a:stretch>
-        </p:blipFill>
-        <p:spPr>
-          <a:xfrm>
-            <a:off x="4612253" y="5059680"/>
-            <a:ext cx="911351" cy="911351"/>
-          </a:xfrm>
-          <a:prstGeom prst="rect">
-            <a:avLst/>
-          </a:prstGeom>
-        </p:spPr>
-      </p:pic>
-      <p:sp>
-        <p:nvSpPr>
-          <p:cNvPr id="9" name="Titre 1">
-            <a:extLst>
-              <a:ext uri="{FF2B5EF4-FFF2-40B4-BE49-F238E27FC236}">
-                <a16:creationId xmlns:a16="http://schemas.microsoft.com/office/drawing/2014/main" id="{1674EF03-3BC0-4D06-B647-93AA1E1A5754}"/>
-              </a:ext>
-            </a:extLst>
-          </p:cNvPr>
-          <p:cNvSpPr txBox="1">
-            <a:spLocks/>
-          </p:cNvSpPr>
-          <p:nvPr>
-            <p:custDataLst>
-              <p:tags r:id="rId5"/>
-            </p:custDataLst>
-          </p:nvPr>
         </p:nvSpPr>
         <p:spPr>
           <a:xfrm>
-            <a:off x="6365293" y="2600573"/>
-            <a:ext cx="4385349" cy="791851"/>
+            <a:off x="8650831" y="2637149"/>
+            <a:ext cx="2713751" cy="1419036"/>
           </a:xfrm>
           <a:prstGeom prst="rect">
             <a:avLst/>
@@ -5492,15 +5449,561 @@
                 </a:solidFill>
                 <a:latin typeface="Franklin Gothic Heavy" panose="020B0903020102020204" pitchFamily="34" charset="0"/>
               </a:rPr>
-              <a:t>UNE CLASSE MINORITAIRE</a:t>
+              <a:t>RANDOM FOREST</a:t>
             </a:r>
           </a:p>
         </p:txBody>
       </p:sp>
+      <p:pic>
+        <p:nvPicPr>
+          <p:cNvPr id="6" name="Graphique 5" descr="Arbre à feuilles caduques">
+            <a:extLst>
+              <a:ext uri="{FF2B5EF4-FFF2-40B4-BE49-F238E27FC236}">
+                <a16:creationId xmlns:a16="http://schemas.microsoft.com/office/drawing/2014/main" id="{11275C96-431F-FD28-73F2-CA4A7ED37D0B}"/>
+              </a:ext>
+            </a:extLst>
+          </p:cNvPr>
+          <p:cNvPicPr>
+            <a:picLocks noChangeAspect="1"/>
+          </p:cNvPicPr>
+          <p:nvPr/>
+        </p:nvPicPr>
+        <p:blipFill>
+          <a:blip r:embed="rId8">
+            <a:extLst>
+              <a:ext uri="{28A0092B-C50C-407E-A947-70E740481C1C}">
+                <a14:useLocalDpi xmlns:a14="http://schemas.microsoft.com/office/drawing/2010/main" val="0"/>
+              </a:ext>
+              <a:ext uri="{96DAC541-7B7A-43D3-8B79-37D633B846F1}">
+                <asvg:svgBlip xmlns:asvg="http://schemas.microsoft.com/office/drawing/2016/SVG/main" r:embed="rId9"/>
+              </a:ext>
+            </a:extLst>
+          </a:blip>
+          <a:stretch>
+            <a:fillRect/>
+          </a:stretch>
+        </p:blipFill>
+        <p:spPr>
+          <a:xfrm>
+            <a:off x="5844041" y="2302278"/>
+            <a:ext cx="914400" cy="914400"/>
+          </a:xfrm>
+          <a:prstGeom prst="rect">
+            <a:avLst/>
+          </a:prstGeom>
+        </p:spPr>
+      </p:pic>
+      <p:pic>
+        <p:nvPicPr>
+          <p:cNvPr id="8" name="Graphique 7" descr="Arbre à feuilles caduques">
+            <a:extLst>
+              <a:ext uri="{FF2B5EF4-FFF2-40B4-BE49-F238E27FC236}">
+                <a16:creationId xmlns:a16="http://schemas.microsoft.com/office/drawing/2014/main" id="{8277DDFE-FB23-8475-236E-1BED769EE19D}"/>
+              </a:ext>
+            </a:extLst>
+          </p:cNvPr>
+          <p:cNvPicPr>
+            <a:picLocks noChangeAspect="1"/>
+          </p:cNvPicPr>
+          <p:nvPr/>
+        </p:nvPicPr>
+        <p:blipFill>
+          <a:blip r:embed="rId8">
+            <a:extLst>
+              <a:ext uri="{28A0092B-C50C-407E-A947-70E740481C1C}">
+                <a14:useLocalDpi xmlns:a14="http://schemas.microsoft.com/office/drawing/2010/main" val="0"/>
+              </a:ext>
+              <a:ext uri="{96DAC541-7B7A-43D3-8B79-37D633B846F1}">
+                <asvg:svgBlip xmlns:asvg="http://schemas.microsoft.com/office/drawing/2016/SVG/main" r:embed="rId9"/>
+              </a:ext>
+            </a:extLst>
+          </a:blip>
+          <a:stretch>
+            <a:fillRect/>
+          </a:stretch>
+        </p:blipFill>
+        <p:spPr>
+          <a:xfrm>
+            <a:off x="6633315" y="3935989"/>
+            <a:ext cx="914400" cy="914400"/>
+          </a:xfrm>
+          <a:prstGeom prst="rect">
+            <a:avLst/>
+          </a:prstGeom>
+        </p:spPr>
+      </p:pic>
+      <p:pic>
+        <p:nvPicPr>
+          <p:cNvPr id="9" name="Graphique 8" descr="Arbre à feuilles caduques">
+            <a:extLst>
+              <a:ext uri="{FF2B5EF4-FFF2-40B4-BE49-F238E27FC236}">
+                <a16:creationId xmlns:a16="http://schemas.microsoft.com/office/drawing/2014/main" id="{99666F98-CE67-F9E2-BDEE-EBAB127CB78E}"/>
+              </a:ext>
+            </a:extLst>
+          </p:cNvPr>
+          <p:cNvPicPr>
+            <a:picLocks noChangeAspect="1"/>
+          </p:cNvPicPr>
+          <p:nvPr/>
+        </p:nvPicPr>
+        <p:blipFill>
+          <a:blip r:embed="rId8">
+            <a:extLst>
+              <a:ext uri="{28A0092B-C50C-407E-A947-70E740481C1C}">
+                <a14:useLocalDpi xmlns:a14="http://schemas.microsoft.com/office/drawing/2010/main" val="0"/>
+              </a:ext>
+              <a:ext uri="{96DAC541-7B7A-43D3-8B79-37D633B846F1}">
+                <asvg:svgBlip xmlns:asvg="http://schemas.microsoft.com/office/drawing/2016/SVG/main" r:embed="rId9"/>
+              </a:ext>
+            </a:extLst>
+          </a:blip>
+          <a:stretch>
+            <a:fillRect/>
+          </a:stretch>
+        </p:blipFill>
+        <p:spPr>
+          <a:xfrm>
+            <a:off x="7359877" y="1669202"/>
+            <a:ext cx="914400" cy="914400"/>
+          </a:xfrm>
+          <a:prstGeom prst="rect">
+            <a:avLst/>
+          </a:prstGeom>
+        </p:spPr>
+      </p:pic>
+      <p:pic>
+        <p:nvPicPr>
+          <p:cNvPr id="10" name="Graphique 9" descr="Arbre à feuilles caduques">
+            <a:extLst>
+              <a:ext uri="{FF2B5EF4-FFF2-40B4-BE49-F238E27FC236}">
+                <a16:creationId xmlns:a16="http://schemas.microsoft.com/office/drawing/2014/main" id="{2CB02355-5E0A-273E-7DD6-ECB458EFF9BB}"/>
+              </a:ext>
+            </a:extLst>
+          </p:cNvPr>
+          <p:cNvPicPr>
+            <a:picLocks noChangeAspect="1"/>
+          </p:cNvPicPr>
+          <p:nvPr/>
+        </p:nvPicPr>
+        <p:blipFill>
+          <a:blip r:embed="rId8">
+            <a:extLst>
+              <a:ext uri="{28A0092B-C50C-407E-A947-70E740481C1C}">
+                <a14:useLocalDpi xmlns:a14="http://schemas.microsoft.com/office/drawing/2010/main" val="0"/>
+              </a:ext>
+              <a:ext uri="{96DAC541-7B7A-43D3-8B79-37D633B846F1}">
+                <asvg:svgBlip xmlns:asvg="http://schemas.microsoft.com/office/drawing/2016/SVG/main" r:embed="rId9"/>
+              </a:ext>
+            </a:extLst>
+          </a:blip>
+          <a:stretch>
+            <a:fillRect/>
+          </a:stretch>
+        </p:blipFill>
+        <p:spPr>
+          <a:xfrm>
+            <a:off x="7064582" y="2876179"/>
+            <a:ext cx="914400" cy="914400"/>
+          </a:xfrm>
+          <a:prstGeom prst="rect">
+            <a:avLst/>
+          </a:prstGeom>
+        </p:spPr>
+      </p:pic>
+      <p:pic>
+        <p:nvPicPr>
+          <p:cNvPr id="11" name="Graphique 10" descr="Arbre à feuilles caduques">
+            <a:extLst>
+              <a:ext uri="{FF2B5EF4-FFF2-40B4-BE49-F238E27FC236}">
+                <a16:creationId xmlns:a16="http://schemas.microsoft.com/office/drawing/2014/main" id="{62FE58EA-2C72-4E2C-CADD-895F61D306EC}"/>
+              </a:ext>
+            </a:extLst>
+          </p:cNvPr>
+          <p:cNvPicPr>
+            <a:picLocks noChangeAspect="1"/>
+          </p:cNvPicPr>
+          <p:nvPr/>
+        </p:nvPicPr>
+        <p:blipFill>
+          <a:blip r:embed="rId8">
+            <a:extLst>
+              <a:ext uri="{28A0092B-C50C-407E-A947-70E740481C1C}">
+                <a14:useLocalDpi xmlns:a14="http://schemas.microsoft.com/office/drawing/2010/main" val="0"/>
+              </a:ext>
+              <a:ext uri="{96DAC541-7B7A-43D3-8B79-37D633B846F1}">
+                <asvg:svgBlip xmlns:asvg="http://schemas.microsoft.com/office/drawing/2016/SVG/main" r:embed="rId9"/>
+              </a:ext>
+            </a:extLst>
+          </a:blip>
+          <a:stretch>
+            <a:fillRect/>
+          </a:stretch>
+        </p:blipFill>
+        <p:spPr>
+          <a:xfrm>
+            <a:off x="7736431" y="4247779"/>
+            <a:ext cx="914400" cy="914400"/>
+          </a:xfrm>
+          <a:prstGeom prst="rect">
+            <a:avLst/>
+          </a:prstGeom>
+        </p:spPr>
+      </p:pic>
+      <p:pic>
+        <p:nvPicPr>
+          <p:cNvPr id="12" name="Graphique 11" descr="Arbre à feuilles caduques">
+            <a:extLst>
+              <a:ext uri="{FF2B5EF4-FFF2-40B4-BE49-F238E27FC236}">
+                <a16:creationId xmlns:a16="http://schemas.microsoft.com/office/drawing/2014/main" id="{36515DBD-9250-B044-6E19-5AF035A9B3AE}"/>
+              </a:ext>
+            </a:extLst>
+          </p:cNvPr>
+          <p:cNvPicPr>
+            <a:picLocks noChangeAspect="1"/>
+          </p:cNvPicPr>
+          <p:nvPr/>
+        </p:nvPicPr>
+        <p:blipFill>
+          <a:blip r:embed="rId8">
+            <a:extLst>
+              <a:ext uri="{28A0092B-C50C-407E-A947-70E740481C1C}">
+                <a14:useLocalDpi xmlns:a14="http://schemas.microsoft.com/office/drawing/2010/main" val="0"/>
+              </a:ext>
+              <a:ext uri="{96DAC541-7B7A-43D3-8B79-37D633B846F1}">
+                <asvg:svgBlip xmlns:asvg="http://schemas.microsoft.com/office/drawing/2016/SVG/main" r:embed="rId9"/>
+              </a:ext>
+            </a:extLst>
+          </a:blip>
+          <a:stretch>
+            <a:fillRect/>
+          </a:stretch>
+        </p:blipFill>
+        <p:spPr>
+          <a:xfrm>
+            <a:off x="5902407" y="4790066"/>
+            <a:ext cx="914400" cy="914400"/>
+          </a:xfrm>
+          <a:prstGeom prst="rect">
+            <a:avLst/>
+          </a:prstGeom>
+        </p:spPr>
+      </p:pic>
+      <p:pic>
+        <p:nvPicPr>
+          <p:cNvPr id="13" name="Graphique 12" descr="Arbre à feuilles caduques">
+            <a:extLst>
+              <a:ext uri="{FF2B5EF4-FFF2-40B4-BE49-F238E27FC236}">
+                <a16:creationId xmlns:a16="http://schemas.microsoft.com/office/drawing/2014/main" id="{9F2054E7-839F-CC4D-9F7E-9918F9C5DE86}"/>
+              </a:ext>
+            </a:extLst>
+          </p:cNvPr>
+          <p:cNvPicPr>
+            <a:picLocks noChangeAspect="1"/>
+          </p:cNvPicPr>
+          <p:nvPr/>
+        </p:nvPicPr>
+        <p:blipFill>
+          <a:blip r:embed="rId8">
+            <a:extLst>
+              <a:ext uri="{28A0092B-C50C-407E-A947-70E740481C1C}">
+                <a14:useLocalDpi xmlns:a14="http://schemas.microsoft.com/office/drawing/2010/main" val="0"/>
+              </a:ext>
+              <a:ext uri="{96DAC541-7B7A-43D3-8B79-37D633B846F1}">
+                <asvg:svgBlip xmlns:asvg="http://schemas.microsoft.com/office/drawing/2016/SVG/main" r:embed="rId9"/>
+              </a:ext>
+            </a:extLst>
+          </a:blip>
+          <a:stretch>
+            <a:fillRect/>
+          </a:stretch>
+        </p:blipFill>
+        <p:spPr>
+          <a:xfrm>
+            <a:off x="8615759" y="5114368"/>
+            <a:ext cx="914400" cy="914400"/>
+          </a:xfrm>
+          <a:prstGeom prst="rect">
+            <a:avLst/>
+          </a:prstGeom>
+        </p:spPr>
+      </p:pic>
+      <p:pic>
+        <p:nvPicPr>
+          <p:cNvPr id="14" name="Graphique 13" descr="Arbre à feuilles caduques">
+            <a:extLst>
+              <a:ext uri="{FF2B5EF4-FFF2-40B4-BE49-F238E27FC236}">
+                <a16:creationId xmlns:a16="http://schemas.microsoft.com/office/drawing/2014/main" id="{DD5F8C1F-F0DA-F725-69C9-C94F88861211}"/>
+              </a:ext>
+            </a:extLst>
+          </p:cNvPr>
+          <p:cNvPicPr>
+            <a:picLocks noChangeAspect="1"/>
+          </p:cNvPicPr>
+          <p:nvPr/>
+        </p:nvPicPr>
+        <p:blipFill>
+          <a:blip r:embed="rId8">
+            <a:extLst>
+              <a:ext uri="{28A0092B-C50C-407E-A947-70E740481C1C}">
+                <a14:useLocalDpi xmlns:a14="http://schemas.microsoft.com/office/drawing/2010/main" val="0"/>
+              </a:ext>
+              <a:ext uri="{96DAC541-7B7A-43D3-8B79-37D633B846F1}">
+                <asvg:svgBlip xmlns:asvg="http://schemas.microsoft.com/office/drawing/2016/SVG/main" r:embed="rId9"/>
+              </a:ext>
+            </a:extLst>
+          </a:blip>
+          <a:stretch>
+            <a:fillRect/>
+          </a:stretch>
+        </p:blipFill>
+        <p:spPr>
+          <a:xfrm>
+            <a:off x="10907382" y="4599471"/>
+            <a:ext cx="914400" cy="914400"/>
+          </a:xfrm>
+          <a:prstGeom prst="rect">
+            <a:avLst/>
+          </a:prstGeom>
+        </p:spPr>
+      </p:pic>
+      <p:pic>
+        <p:nvPicPr>
+          <p:cNvPr id="15" name="Graphique 14" descr="Arbre à feuilles caduques">
+            <a:extLst>
+              <a:ext uri="{FF2B5EF4-FFF2-40B4-BE49-F238E27FC236}">
+                <a16:creationId xmlns:a16="http://schemas.microsoft.com/office/drawing/2014/main" id="{81181F8A-5F6E-B688-9805-6FF615E8EF42}"/>
+              </a:ext>
+            </a:extLst>
+          </p:cNvPr>
+          <p:cNvPicPr>
+            <a:picLocks noChangeAspect="1"/>
+          </p:cNvPicPr>
+          <p:nvPr/>
+        </p:nvPicPr>
+        <p:blipFill>
+          <a:blip r:embed="rId8">
+            <a:extLst>
+              <a:ext uri="{28A0092B-C50C-407E-A947-70E740481C1C}">
+                <a14:useLocalDpi xmlns:a14="http://schemas.microsoft.com/office/drawing/2010/main" val="0"/>
+              </a:ext>
+              <a:ext uri="{96DAC541-7B7A-43D3-8B79-37D633B846F1}">
+                <asvg:svgBlip xmlns:asvg="http://schemas.microsoft.com/office/drawing/2016/SVG/main" r:embed="rId9"/>
+              </a:ext>
+            </a:extLst>
+          </a:blip>
+          <a:stretch>
+            <a:fillRect/>
+          </a:stretch>
+        </p:blipFill>
+        <p:spPr>
+          <a:xfrm>
+            <a:off x="9605851" y="4599471"/>
+            <a:ext cx="914400" cy="914400"/>
+          </a:xfrm>
+          <a:prstGeom prst="rect">
+            <a:avLst/>
+          </a:prstGeom>
+        </p:spPr>
+      </p:pic>
+      <p:pic>
+        <p:nvPicPr>
+          <p:cNvPr id="16" name="Graphique 15" descr="Arbre à feuilles caduques">
+            <a:extLst>
+              <a:ext uri="{FF2B5EF4-FFF2-40B4-BE49-F238E27FC236}">
+                <a16:creationId xmlns:a16="http://schemas.microsoft.com/office/drawing/2014/main" id="{9EE0420B-3799-10A2-245C-0800032FF120}"/>
+              </a:ext>
+            </a:extLst>
+          </p:cNvPr>
+          <p:cNvPicPr>
+            <a:picLocks noChangeAspect="1"/>
+          </p:cNvPicPr>
+          <p:nvPr/>
+        </p:nvPicPr>
+        <p:blipFill>
+          <a:blip r:embed="rId8">
+            <a:extLst>
+              <a:ext uri="{28A0092B-C50C-407E-A947-70E740481C1C}">
+                <a14:useLocalDpi xmlns:a14="http://schemas.microsoft.com/office/drawing/2010/main" val="0"/>
+              </a:ext>
+              <a:ext uri="{96DAC541-7B7A-43D3-8B79-37D633B846F1}">
+                <asvg:svgBlip xmlns:asvg="http://schemas.microsoft.com/office/drawing/2016/SVG/main" r:embed="rId9"/>
+              </a:ext>
+            </a:extLst>
+          </a:blip>
+          <a:stretch>
+            <a:fillRect/>
+          </a:stretch>
+        </p:blipFill>
+        <p:spPr>
+          <a:xfrm>
+            <a:off x="8771219" y="1942696"/>
+            <a:ext cx="914400" cy="914400"/>
+          </a:xfrm>
+          <a:prstGeom prst="rect">
+            <a:avLst/>
+          </a:prstGeom>
+        </p:spPr>
+      </p:pic>
+      <p:pic>
+        <p:nvPicPr>
+          <p:cNvPr id="17" name="Graphique 16" descr="Arbre à feuilles caduques">
+            <a:extLst>
+              <a:ext uri="{FF2B5EF4-FFF2-40B4-BE49-F238E27FC236}">
+                <a16:creationId xmlns:a16="http://schemas.microsoft.com/office/drawing/2014/main" id="{35B82C1E-1D45-3DD8-077B-555C02128673}"/>
+              </a:ext>
+            </a:extLst>
+          </p:cNvPr>
+          <p:cNvPicPr>
+            <a:picLocks noChangeAspect="1"/>
+          </p:cNvPicPr>
+          <p:nvPr/>
+        </p:nvPicPr>
+        <p:blipFill>
+          <a:blip r:embed="rId8">
+            <a:extLst>
+              <a:ext uri="{28A0092B-C50C-407E-A947-70E740481C1C}">
+                <a14:useLocalDpi xmlns:a14="http://schemas.microsoft.com/office/drawing/2010/main" val="0"/>
+              </a:ext>
+              <a:ext uri="{96DAC541-7B7A-43D3-8B79-37D633B846F1}">
+                <asvg:svgBlip xmlns:asvg="http://schemas.microsoft.com/office/drawing/2016/SVG/main" r:embed="rId9"/>
+              </a:ext>
+            </a:extLst>
+          </a:blip>
+          <a:stretch>
+            <a:fillRect/>
+          </a:stretch>
+        </p:blipFill>
+        <p:spPr>
+          <a:xfrm>
+            <a:off x="10063051" y="1341713"/>
+            <a:ext cx="914400" cy="914400"/>
+          </a:xfrm>
+          <a:prstGeom prst="rect">
+            <a:avLst/>
+          </a:prstGeom>
+        </p:spPr>
+      </p:pic>
+      <p:pic>
+        <p:nvPicPr>
+          <p:cNvPr id="18" name="Graphique 17" descr="Arbre à feuilles caduques">
+            <a:extLst>
+              <a:ext uri="{FF2B5EF4-FFF2-40B4-BE49-F238E27FC236}">
+                <a16:creationId xmlns:a16="http://schemas.microsoft.com/office/drawing/2014/main" id="{F56BA84F-2663-9B71-FA7D-2A019C978A54}"/>
+              </a:ext>
+            </a:extLst>
+          </p:cNvPr>
+          <p:cNvPicPr>
+            <a:picLocks noChangeAspect="1"/>
+          </p:cNvPicPr>
+          <p:nvPr/>
+        </p:nvPicPr>
+        <p:blipFill>
+          <a:blip r:embed="rId8">
+            <a:extLst>
+              <a:ext uri="{28A0092B-C50C-407E-A947-70E740481C1C}">
+                <a14:useLocalDpi xmlns:a14="http://schemas.microsoft.com/office/drawing/2010/main" val="0"/>
+              </a:ext>
+              <a:ext uri="{96DAC541-7B7A-43D3-8B79-37D633B846F1}">
+                <asvg:svgBlip xmlns:asvg="http://schemas.microsoft.com/office/drawing/2016/SVG/main" r:embed="rId9"/>
+              </a:ext>
+            </a:extLst>
+          </a:blip>
+          <a:stretch>
+            <a:fillRect/>
+          </a:stretch>
+        </p:blipFill>
+        <p:spPr>
+          <a:xfrm>
+            <a:off x="6883556" y="5290133"/>
+            <a:ext cx="914400" cy="914400"/>
+          </a:xfrm>
+          <a:prstGeom prst="rect">
+            <a:avLst/>
+          </a:prstGeom>
+        </p:spPr>
+      </p:pic>
+      <p:pic>
+        <p:nvPicPr>
+          <p:cNvPr id="19" name="Graphique 18" descr="Arbre à feuilles caduques">
+            <a:extLst>
+              <a:ext uri="{FF2B5EF4-FFF2-40B4-BE49-F238E27FC236}">
+                <a16:creationId xmlns:a16="http://schemas.microsoft.com/office/drawing/2014/main" id="{6641B7BA-8769-35B7-542A-96E7FF4BE3B7}"/>
+              </a:ext>
+            </a:extLst>
+          </p:cNvPr>
+          <p:cNvPicPr>
+            <a:picLocks noChangeAspect="1"/>
+          </p:cNvPicPr>
+          <p:nvPr/>
+        </p:nvPicPr>
+        <p:blipFill>
+          <a:blip r:embed="rId8">
+            <a:extLst>
+              <a:ext uri="{28A0092B-C50C-407E-A947-70E740481C1C}">
+                <a14:useLocalDpi xmlns:a14="http://schemas.microsoft.com/office/drawing/2010/main" val="0"/>
+              </a:ext>
+              <a:ext uri="{96DAC541-7B7A-43D3-8B79-37D633B846F1}">
+                <asvg:svgBlip xmlns:asvg="http://schemas.microsoft.com/office/drawing/2016/SVG/main" r:embed="rId9"/>
+              </a:ext>
+            </a:extLst>
+          </a:blip>
+          <a:stretch>
+            <a:fillRect/>
+          </a:stretch>
+        </p:blipFill>
+        <p:spPr>
+          <a:xfrm>
+            <a:off x="5316412" y="3546172"/>
+            <a:ext cx="914400" cy="914400"/>
+          </a:xfrm>
+          <a:prstGeom prst="rect">
+            <a:avLst/>
+          </a:prstGeom>
+        </p:spPr>
+      </p:pic>
+      <p:pic>
+        <p:nvPicPr>
+          <p:cNvPr id="20" name="Graphique 19" descr="Arbre à feuilles caduques">
+            <a:extLst>
+              <a:ext uri="{FF2B5EF4-FFF2-40B4-BE49-F238E27FC236}">
+                <a16:creationId xmlns:a16="http://schemas.microsoft.com/office/drawing/2014/main" id="{B64AD010-9777-7605-59F0-9340CE6919EB}"/>
+              </a:ext>
+            </a:extLst>
+          </p:cNvPr>
+          <p:cNvPicPr>
+            <a:picLocks noChangeAspect="1"/>
+          </p:cNvPicPr>
+          <p:nvPr/>
+        </p:nvPicPr>
+        <p:blipFill>
+          <a:blip r:embed="rId8">
+            <a:extLst>
+              <a:ext uri="{28A0092B-C50C-407E-A947-70E740481C1C}">
+                <a14:useLocalDpi xmlns:a14="http://schemas.microsoft.com/office/drawing/2010/main" val="0"/>
+              </a:ext>
+              <a:ext uri="{96DAC541-7B7A-43D3-8B79-37D633B846F1}">
+                <asvg:svgBlip xmlns:asvg="http://schemas.microsoft.com/office/drawing/2016/SVG/main" r:embed="rId9"/>
+              </a:ext>
+            </a:extLst>
+          </a:blip>
+          <a:stretch>
+            <a:fillRect/>
+          </a:stretch>
+        </p:blipFill>
+        <p:spPr>
+          <a:xfrm>
+            <a:off x="11096098" y="2780382"/>
+            <a:ext cx="914400" cy="914400"/>
+          </a:xfrm>
+          <a:prstGeom prst="rect">
+            <a:avLst/>
+          </a:prstGeom>
+        </p:spPr>
+      </p:pic>
     </p:spTree>
     <p:extLst>
       <p:ext uri="{BB962C8B-B14F-4D97-AF65-F5344CB8AC3E}">
-        <p14:creationId xmlns:p14="http://schemas.microsoft.com/office/powerpoint/2010/main" val="3540433298"/>
+        <p14:creationId xmlns:p14="http://schemas.microsoft.com/office/powerpoint/2010/main" val="4263590723"/>
       </p:ext>
     </p:extLst>
   </p:cSld>
@@ -5531,8 +6034,8 @@
             </a:gs>
             <a:gs pos="100000">
               <a:schemeClr val="accent2">
-                <a:lumMod val="60000"/>
-                <a:lumOff val="40000"/>
+                <a:lumMod val="40000"/>
+                <a:lumOff val="60000"/>
               </a:schemeClr>
             </a:gs>
           </a:gsLst>
@@ -5726,8 +6229,8 @@
         </p:nvSpPr>
         <p:spPr>
           <a:xfrm>
-            <a:off x="1791581" y="409051"/>
-            <a:ext cx="9187958" cy="1062625"/>
+            <a:off x="390145" y="279088"/>
+            <a:ext cx="11592174" cy="1062625"/>
           </a:xfrm>
         </p:spPr>
         <p:txBody>
@@ -5736,7 +6239,7 @@
           </a:bodyPr>
           <a:lstStyle/>
           <a:p>
-            <a:pPr algn="l">
+            <a:pPr>
               <a:lnSpc>
                 <a:spcPct val="150000"/>
               </a:lnSpc>
@@ -5750,17 +6253,103 @@
                 </a:solidFill>
                 <a:latin typeface="Franklin Gothic Heavy" panose="020B0903020102020204" pitchFamily="34" charset="0"/>
               </a:rPr>
-              <a:t>GESTION DE CES DIFFICULTÉS :</a:t>
+              <a:t>DIFFICULTÉS DE LA MODÉLISATION (2) :</a:t>
             </a:r>
           </a:p>
         </p:txBody>
       </p:sp>
+      <p:pic>
+        <p:nvPicPr>
+          <p:cNvPr id="6" name="Graphique 5" descr="Homme">
+            <a:extLst>
+              <a:ext uri="{FF2B5EF4-FFF2-40B4-BE49-F238E27FC236}">
+                <a16:creationId xmlns:a16="http://schemas.microsoft.com/office/drawing/2014/main" id="{16F39EE2-1499-0D49-1B4F-7597847F41EB}"/>
+              </a:ext>
+            </a:extLst>
+          </p:cNvPr>
+          <p:cNvPicPr>
+            <a:picLocks noChangeAspect="1"/>
+          </p:cNvPicPr>
+          <p:nvPr>
+            <p:custDataLst>
+              <p:tags r:id="rId3"/>
+            </p:custDataLst>
+          </p:nvPr>
+        </p:nvPicPr>
+        <p:blipFill>
+          <a:blip r:embed="rId7">
+            <a:extLst>
+              <a:ext uri="{28A0092B-C50C-407E-A947-70E740481C1C}">
+                <a14:useLocalDpi xmlns:a14="http://schemas.microsoft.com/office/drawing/2010/main" val="0"/>
+              </a:ext>
+              <a:ext uri="{96DAC541-7B7A-43D3-8B79-37D633B846F1}">
+                <asvg:svgBlip xmlns:asvg="http://schemas.microsoft.com/office/drawing/2016/SVG/main" r:embed="rId8"/>
+              </a:ext>
+            </a:extLst>
+          </a:blip>
+          <a:stretch>
+            <a:fillRect/>
+          </a:stretch>
+        </p:blipFill>
+        <p:spPr>
+          <a:xfrm>
+            <a:off x="1558157" y="1692268"/>
+            <a:ext cx="4403731" cy="4403731"/>
+          </a:xfrm>
+          <a:prstGeom prst="rect">
+            <a:avLst/>
+          </a:prstGeom>
+        </p:spPr>
+      </p:pic>
+      <p:pic>
+        <p:nvPicPr>
+          <p:cNvPr id="8" name="Graphique 7" descr="Homme">
+            <a:extLst>
+              <a:ext uri="{FF2B5EF4-FFF2-40B4-BE49-F238E27FC236}">
+                <a16:creationId xmlns:a16="http://schemas.microsoft.com/office/drawing/2014/main" id="{754F5662-D94B-F089-7F2B-E57592271F22}"/>
+              </a:ext>
+            </a:extLst>
+          </p:cNvPr>
+          <p:cNvPicPr>
+            <a:picLocks noChangeAspect="1"/>
+          </p:cNvPicPr>
+          <p:nvPr>
+            <p:custDataLst>
+              <p:tags r:id="rId4"/>
+            </p:custDataLst>
+          </p:nvPr>
+        </p:nvPicPr>
+        <p:blipFill>
+          <a:blip r:embed="rId9">
+            <a:extLst>
+              <a:ext uri="{28A0092B-C50C-407E-A947-70E740481C1C}">
+                <a14:useLocalDpi xmlns:a14="http://schemas.microsoft.com/office/drawing/2010/main" val="0"/>
+              </a:ext>
+              <a:ext uri="{96DAC541-7B7A-43D3-8B79-37D633B846F1}">
+                <asvg:svgBlip xmlns:asvg="http://schemas.microsoft.com/office/drawing/2016/SVG/main" r:embed="rId10"/>
+              </a:ext>
+            </a:extLst>
+          </a:blip>
+          <a:stretch>
+            <a:fillRect/>
+          </a:stretch>
+        </p:blipFill>
+        <p:spPr>
+          <a:xfrm>
+            <a:off x="4612253" y="5059680"/>
+            <a:ext cx="911351" cy="911351"/>
+          </a:xfrm>
+          <a:prstGeom prst="rect">
+            <a:avLst/>
+          </a:prstGeom>
+        </p:spPr>
+      </p:pic>
       <p:sp>
         <p:nvSpPr>
-          <p:cNvPr id="8" name="Titre 1">
-            <a:extLst>
-              <a:ext uri="{FF2B5EF4-FFF2-40B4-BE49-F238E27FC236}">
-                <a16:creationId xmlns:a16="http://schemas.microsoft.com/office/drawing/2014/main" id="{A7F033C2-0484-2914-034E-E3FBCA77E445}"/>
+          <p:cNvPr id="9" name="Titre 1">
+            <a:extLst>
+              <a:ext uri="{FF2B5EF4-FFF2-40B4-BE49-F238E27FC236}">
+                <a16:creationId xmlns:a16="http://schemas.microsoft.com/office/drawing/2014/main" id="{1674EF03-3BC0-4D06-B647-93AA1E1A5754}"/>
               </a:ext>
             </a:extLst>
           </p:cNvPr>
@@ -5769,14 +6358,14 @@
           </p:cNvSpPr>
           <p:nvPr>
             <p:custDataLst>
-              <p:tags r:id="rId3"/>
+              <p:tags r:id="rId5"/>
             </p:custDataLst>
           </p:nvPr>
         </p:nvSpPr>
         <p:spPr>
           <a:xfrm>
-            <a:off x="2611926" y="3231308"/>
-            <a:ext cx="7556202" cy="569400"/>
+            <a:off x="6365293" y="2600573"/>
+            <a:ext cx="4385349" cy="791851"/>
           </a:xfrm>
           <a:prstGeom prst="rect">
             <a:avLst/>
@@ -5808,227 +6397,11 @@
           <a:p>
             <a:pPr algn="l">
               <a:lnSpc>
-                <a:spcPct val="100000"/>
+                <a:spcPct val="150000"/>
               </a:lnSpc>
             </a:pPr>
             <a:r>
-              <a:rPr lang="fr-FR" sz="3200" dirty="0">
-                <a:solidFill>
-                  <a:schemeClr val="accent2">
-                    <a:lumMod val="75000"/>
-                  </a:schemeClr>
-                </a:solidFill>
-                <a:latin typeface="Franklin Gothic Heavy" panose="020B0903020102020204" pitchFamily="34" charset="0"/>
-              </a:rPr>
-              <a:t>Stratification</a:t>
-            </a:r>
-            <a:r>
-              <a:rPr lang="fr-FR" sz="3200" dirty="0">
-                <a:solidFill>
-                  <a:srgbClr val="10181D"/>
-                </a:solidFill>
-                <a:latin typeface="Franklin Gothic Heavy" panose="020B0903020102020204" pitchFamily="34" charset="0"/>
-              </a:rPr>
-              <a:t> des </a:t>
-            </a:r>
-            <a:r>
-              <a:rPr lang="fr-FR" sz="3200" dirty="0" err="1">
-                <a:solidFill>
-                  <a:srgbClr val="10181D"/>
-                </a:solidFill>
-                <a:latin typeface="Franklin Gothic Heavy" panose="020B0903020102020204" pitchFamily="34" charset="0"/>
-              </a:rPr>
-              <a:t>trainsets</a:t>
-            </a:r>
-            <a:r>
-              <a:rPr lang="fr-FR" sz="3200" dirty="0">
-                <a:solidFill>
-                  <a:srgbClr val="10181D"/>
-                </a:solidFill>
-                <a:latin typeface="Franklin Gothic Heavy" panose="020B0903020102020204" pitchFamily="34" charset="0"/>
-              </a:rPr>
-              <a:t> et </a:t>
-            </a:r>
-            <a:r>
-              <a:rPr lang="fr-FR" sz="3200" dirty="0" err="1">
-                <a:solidFill>
-                  <a:srgbClr val="10181D"/>
-                </a:solidFill>
-                <a:latin typeface="Franklin Gothic Heavy" panose="020B0903020102020204" pitchFamily="34" charset="0"/>
-              </a:rPr>
-              <a:t>testsets</a:t>
-            </a:r>
-            <a:r>
-              <a:rPr lang="fr-FR" sz="3200" dirty="0">
-                <a:solidFill>
-                  <a:srgbClr val="10181D"/>
-                </a:solidFill>
-                <a:latin typeface="Franklin Gothic Heavy" panose="020B0903020102020204" pitchFamily="34" charset="0"/>
-              </a:rPr>
-              <a:t> lors de la </a:t>
-            </a:r>
-            <a:r>
-              <a:rPr lang="fr-FR" sz="3200" dirty="0" err="1">
-                <a:solidFill>
-                  <a:srgbClr val="10181D"/>
-                </a:solidFill>
-                <a:latin typeface="Franklin Gothic Heavy" panose="020B0903020102020204" pitchFamily="34" charset="0"/>
-              </a:rPr>
-              <a:t>crossvalidation</a:t>
-            </a:r>
-            <a:endParaRPr lang="fr-FR" sz="3200" dirty="0">
-              <a:solidFill>
-                <a:srgbClr val="10181D"/>
-              </a:solidFill>
-              <a:latin typeface="Franklin Gothic Heavy" panose="020B0903020102020204" pitchFamily="34" charset="0"/>
-            </a:endParaRPr>
-          </a:p>
-        </p:txBody>
-      </p:sp>
-      <p:pic>
-        <p:nvPicPr>
-          <p:cNvPr id="3" name="Graphique 2" descr="Engrenage">
-            <a:extLst>
-              <a:ext uri="{FF2B5EF4-FFF2-40B4-BE49-F238E27FC236}">
-                <a16:creationId xmlns:a16="http://schemas.microsoft.com/office/drawing/2014/main" id="{8661B8C5-3821-CB47-D367-7F6AB48A0BD8}"/>
-              </a:ext>
-            </a:extLst>
-          </p:cNvPr>
-          <p:cNvPicPr>
-            <a:picLocks noChangeAspect="1"/>
-          </p:cNvPicPr>
-          <p:nvPr>
-            <p:custDataLst>
-              <p:tags r:id="rId4"/>
-            </p:custDataLst>
-          </p:nvPr>
-        </p:nvPicPr>
-        <p:blipFill>
-          <a:blip r:embed="rId10">
-            <a:extLst>
-              <a:ext uri="{28A0092B-C50C-407E-A947-70E740481C1C}">
-                <a14:useLocalDpi xmlns:a14="http://schemas.microsoft.com/office/drawing/2010/main" val="0"/>
-              </a:ext>
-              <a:ext uri="{96DAC541-7B7A-43D3-8B79-37D633B846F1}">
-                <asvg:svgBlip xmlns:asvg="http://schemas.microsoft.com/office/drawing/2016/SVG/main" r:embed="rId11"/>
-              </a:ext>
-            </a:extLst>
-          </a:blip>
-          <a:stretch>
-            <a:fillRect/>
-          </a:stretch>
-        </p:blipFill>
-        <p:spPr>
-          <a:xfrm>
-            <a:off x="1674141" y="3293016"/>
-            <a:ext cx="888261" cy="914400"/>
-          </a:xfrm>
-          <a:prstGeom prst="rect">
-            <a:avLst/>
-          </a:prstGeom>
-        </p:spPr>
-      </p:pic>
-      <p:pic>
-        <p:nvPicPr>
-          <p:cNvPr id="9" name="Graphique 8" descr="Engrenage">
-            <a:extLst>
-              <a:ext uri="{FF2B5EF4-FFF2-40B4-BE49-F238E27FC236}">
-                <a16:creationId xmlns:a16="http://schemas.microsoft.com/office/drawing/2014/main" id="{4DFC4DA5-428C-B382-B0C3-068A15784666}"/>
-              </a:ext>
-            </a:extLst>
-          </p:cNvPr>
-          <p:cNvPicPr>
-            <a:picLocks noChangeAspect="1"/>
-          </p:cNvPicPr>
-          <p:nvPr>
-            <p:custDataLst>
-              <p:tags r:id="rId5"/>
-            </p:custDataLst>
-          </p:nvPr>
-        </p:nvPicPr>
-        <p:blipFill>
-          <a:blip r:embed="rId10">
-            <a:extLst>
-              <a:ext uri="{28A0092B-C50C-407E-A947-70E740481C1C}">
-                <a14:useLocalDpi xmlns:a14="http://schemas.microsoft.com/office/drawing/2010/main" val="0"/>
-              </a:ext>
-              <a:ext uri="{96DAC541-7B7A-43D3-8B79-37D633B846F1}">
-                <asvg:svgBlip xmlns:asvg="http://schemas.microsoft.com/office/drawing/2016/SVG/main" r:embed="rId11"/>
-              </a:ext>
-            </a:extLst>
-          </a:blip>
-          <a:stretch>
-            <a:fillRect/>
-          </a:stretch>
-        </p:blipFill>
-        <p:spPr>
-          <a:xfrm>
-            <a:off x="1674141" y="1921633"/>
-            <a:ext cx="888261" cy="914400"/>
-          </a:xfrm>
-          <a:prstGeom prst="rect">
-            <a:avLst/>
-          </a:prstGeom>
-        </p:spPr>
-      </p:pic>
-      <p:sp>
-        <p:nvSpPr>
-          <p:cNvPr id="10" name="Titre 1">
-            <a:extLst>
-              <a:ext uri="{FF2B5EF4-FFF2-40B4-BE49-F238E27FC236}">
-                <a16:creationId xmlns:a16="http://schemas.microsoft.com/office/drawing/2014/main" id="{CC1B591D-E73E-E6EF-2E39-E3DC928CC8FE}"/>
-              </a:ext>
-            </a:extLst>
-          </p:cNvPr>
-          <p:cNvSpPr txBox="1">
-            <a:spLocks/>
-          </p:cNvSpPr>
-          <p:nvPr>
-            <p:custDataLst>
-              <p:tags r:id="rId6"/>
-            </p:custDataLst>
-          </p:nvPr>
-        </p:nvSpPr>
-        <p:spPr>
-          <a:xfrm>
-            <a:off x="2590182" y="2057709"/>
-            <a:ext cx="7927677" cy="778324"/>
-          </a:xfrm>
-          <a:prstGeom prst="rect">
-            <a:avLst/>
-          </a:prstGeom>
-        </p:spPr>
-        <p:txBody>
-          <a:bodyPr vert="horz" lIns="91440" tIns="45720" rIns="91440" bIns="45720" rtlCol="0" anchor="t">
-            <a:noAutofit/>
-          </a:bodyPr>
-          <a:lstStyle>
-            <a:lvl1pPr algn="ctr" defTabSz="914400" rtl="0" eaLnBrk="1" latinLnBrk="0" hangingPunct="1">
-              <a:lnSpc>
-                <a:spcPct val="90000"/>
-              </a:lnSpc>
-              <a:spcBef>
-                <a:spcPct val="0"/>
-              </a:spcBef>
-              <a:buNone/>
-              <a:defRPr sz="6000" kern="1200">
-                <a:solidFill>
-                  <a:schemeClr val="tx1"/>
-                </a:solidFill>
-                <a:latin typeface="+mj-lt"/>
-                <a:ea typeface="+mj-ea"/>
-                <a:cs typeface="+mj-cs"/>
-              </a:defRPr>
-            </a:lvl1pPr>
-          </a:lstStyle>
-          <a:p>
-            <a:pPr algn="l">
-              <a:lnSpc>
-                <a:spcPct val="100000"/>
-              </a:lnSpc>
-            </a:pPr>
-            <a:r>
-              <a:rPr lang="fr-FR" sz="3200" dirty="0">
+              <a:rPr lang="fr-FR" sz="4000" dirty="0">
                 <a:solidFill>
                   <a:schemeClr val="bg2">
                     <a:lumMod val="25000"/>
@@ -6036,149 +6409,7 @@
                 </a:solidFill>
                 <a:latin typeface="Franklin Gothic Heavy" panose="020B0903020102020204" pitchFamily="34" charset="0"/>
               </a:rPr>
-              <a:t>Choix d’un algorithme de </a:t>
-            </a:r>
-            <a:r>
-              <a:rPr lang="fr-FR" sz="3200" dirty="0">
-                <a:solidFill>
-                  <a:schemeClr val="accent2">
-                    <a:lumMod val="75000"/>
-                  </a:schemeClr>
-                </a:solidFill>
-                <a:latin typeface="Franklin Gothic Heavy" panose="020B0903020102020204" pitchFamily="34" charset="0"/>
-              </a:rPr>
-              <a:t>forêt aléatoire</a:t>
-            </a:r>
-            <a:endParaRPr lang="fr-FR" sz="3200" cap="all" dirty="0">
-              <a:solidFill>
-                <a:srgbClr val="10181D"/>
-              </a:solidFill>
-              <a:latin typeface="Franklin Gothic Heavy" panose="020B0903020102020204" pitchFamily="34" charset="0"/>
-            </a:endParaRPr>
-          </a:p>
-        </p:txBody>
-      </p:sp>
-      <p:pic>
-        <p:nvPicPr>
-          <p:cNvPr id="17" name="Graphique 16" descr="Engrenage">
-            <a:extLst>
-              <a:ext uri="{FF2B5EF4-FFF2-40B4-BE49-F238E27FC236}">
-                <a16:creationId xmlns:a16="http://schemas.microsoft.com/office/drawing/2014/main" id="{E623664F-FD1E-49C5-36B0-E5D047CF5167}"/>
-              </a:ext>
-            </a:extLst>
-          </p:cNvPr>
-          <p:cNvPicPr>
-            <a:picLocks noChangeAspect="1"/>
-          </p:cNvPicPr>
-          <p:nvPr>
-            <p:custDataLst>
-              <p:tags r:id="rId7"/>
-            </p:custDataLst>
-          </p:nvPr>
-        </p:nvPicPr>
-        <p:blipFill>
-          <a:blip r:embed="rId10">
-            <a:extLst>
-              <a:ext uri="{28A0092B-C50C-407E-A947-70E740481C1C}">
-                <a14:useLocalDpi xmlns:a14="http://schemas.microsoft.com/office/drawing/2010/main" val="0"/>
-              </a:ext>
-              <a:ext uri="{96DAC541-7B7A-43D3-8B79-37D633B846F1}">
-                <asvg:svgBlip xmlns:asvg="http://schemas.microsoft.com/office/drawing/2016/SVG/main" r:embed="rId11"/>
-              </a:ext>
-            </a:extLst>
-          </a:blip>
-          <a:stretch>
-            <a:fillRect/>
-          </a:stretch>
-        </p:blipFill>
-        <p:spPr>
-          <a:xfrm>
-            <a:off x="1674140" y="4750917"/>
-            <a:ext cx="888261" cy="914400"/>
-          </a:xfrm>
-          <a:prstGeom prst="rect">
-            <a:avLst/>
-          </a:prstGeom>
-        </p:spPr>
-      </p:pic>
-      <p:sp>
-        <p:nvSpPr>
-          <p:cNvPr id="18" name="Titre 1">
-            <a:extLst>
-              <a:ext uri="{FF2B5EF4-FFF2-40B4-BE49-F238E27FC236}">
-                <a16:creationId xmlns:a16="http://schemas.microsoft.com/office/drawing/2014/main" id="{602EB7AC-4830-ECCF-4307-651272C5001F}"/>
-              </a:ext>
-            </a:extLst>
-          </p:cNvPr>
-          <p:cNvSpPr txBox="1">
-            <a:spLocks/>
-          </p:cNvSpPr>
-          <p:nvPr>
-            <p:custDataLst>
-              <p:tags r:id="rId8"/>
-            </p:custDataLst>
-          </p:nvPr>
-        </p:nvSpPr>
-        <p:spPr>
-          <a:xfrm>
-            <a:off x="2611926" y="4676804"/>
-            <a:ext cx="7357199" cy="1062625"/>
-          </a:xfrm>
-          <a:prstGeom prst="rect">
-            <a:avLst/>
-          </a:prstGeom>
-        </p:spPr>
-        <p:txBody>
-          <a:bodyPr vert="horz" lIns="91440" tIns="45720" rIns="91440" bIns="45720" rtlCol="0" anchor="t">
-            <a:noAutofit/>
-          </a:bodyPr>
-          <a:lstStyle>
-            <a:lvl1pPr algn="ctr" defTabSz="914400" rtl="0" eaLnBrk="1" latinLnBrk="0" hangingPunct="1">
-              <a:lnSpc>
-                <a:spcPct val="90000"/>
-              </a:lnSpc>
-              <a:spcBef>
-                <a:spcPct val="0"/>
-              </a:spcBef>
-              <a:buNone/>
-              <a:defRPr sz="6000" kern="1200">
-                <a:solidFill>
-                  <a:schemeClr val="tx1"/>
-                </a:solidFill>
-                <a:latin typeface="+mj-lt"/>
-                <a:ea typeface="+mj-ea"/>
-                <a:cs typeface="+mj-cs"/>
-              </a:defRPr>
-            </a:lvl1pPr>
-          </a:lstStyle>
-          <a:p>
-            <a:pPr algn="l">
-              <a:lnSpc>
-                <a:spcPct val="100000"/>
-              </a:lnSpc>
-            </a:pPr>
-            <a:r>
-              <a:rPr lang="fr-FR" sz="3200" dirty="0">
-                <a:solidFill>
-                  <a:schemeClr val="tx1">
-                    <a:lumMod val="85000"/>
-                    <a:lumOff val="15000"/>
-                  </a:schemeClr>
-                </a:solidFill>
-                <a:latin typeface="Franklin Gothic Heavy" panose="020B0903020102020204" pitchFamily="34" charset="0"/>
-              </a:rPr>
-              <a:t>Utilisation d’une métrique adaptée : l’</a:t>
-            </a:r>
-            <a:r>
-              <a:rPr lang="fr-FR" sz="3200" dirty="0">
-                <a:solidFill>
-                  <a:schemeClr val="accent2">
-                    <a:lumMod val="75000"/>
-                  </a:schemeClr>
-                </a:solidFill>
-                <a:latin typeface="Franklin Gothic Heavy" panose="020B0903020102020204" pitchFamily="34" charset="0"/>
-              </a:rPr>
-              <a:t>AUC</a:t>
+              <a:t>UNE CLASSE MINORITAIRE</a:t>
             </a:r>
           </a:p>
         </p:txBody>
@@ -6186,7 +6417,7 @@
     </p:spTree>
     <p:extLst>
       <p:ext uri="{BB962C8B-B14F-4D97-AF65-F5344CB8AC3E}">
-        <p14:creationId xmlns:p14="http://schemas.microsoft.com/office/powerpoint/2010/main" val="1819916353"/>
+        <p14:creationId xmlns:p14="http://schemas.microsoft.com/office/powerpoint/2010/main" val="3540433298"/>
       </p:ext>
     </p:extLst>
   </p:cSld>
@@ -6217,8 +6448,8 @@
             </a:gs>
             <a:gs pos="100000">
               <a:schemeClr val="accent2">
-                <a:lumMod val="60000"/>
-                <a:lumOff val="40000"/>
+                <a:lumMod val="40000"/>
+                <a:lumOff val="60000"/>
               </a:schemeClr>
             </a:gs>
           </a:gsLst>
@@ -6412,8 +6643,8 @@
         </p:nvSpPr>
         <p:spPr>
           <a:xfrm>
-            <a:off x="3474396" y="117561"/>
-            <a:ext cx="5243203" cy="1062625"/>
+            <a:off x="390145" y="279088"/>
+            <a:ext cx="11592174" cy="1062625"/>
           </a:xfrm>
         </p:spPr>
         <p:txBody>
@@ -6422,13 +6653,13 @@
           </a:bodyPr>
           <a:lstStyle/>
           <a:p>
-            <a:pPr algn="l">
+            <a:pPr>
               <a:lnSpc>
                 <a:spcPct val="150000"/>
               </a:lnSpc>
             </a:pPr>
             <a:r>
-              <a:rPr lang="fr-FR" sz="4800" cap="all" dirty="0" err="1">
+              <a:rPr lang="fr-FR" sz="4800" cap="all" dirty="0">
                 <a:solidFill>
                   <a:schemeClr val="accent2">
                     <a:lumMod val="75000"/>
@@ -6436,28 +6667,17 @@
                 </a:solidFill>
                 <a:latin typeface="Franklin Gothic Heavy" panose="020B0903020102020204" pitchFamily="34" charset="0"/>
               </a:rPr>
-              <a:t>MODèle</a:t>
-            </a:r>
-            <a:r>
-              <a:rPr lang="fr-FR" sz="4800" cap="all" dirty="0">
-                <a:solidFill>
-                  <a:schemeClr val="accent2">
-                    <a:lumMod val="75000"/>
-                  </a:schemeClr>
-                </a:solidFill>
-                <a:latin typeface="Franklin Gothic Heavy" panose="020B0903020102020204" pitchFamily="34" charset="0"/>
-              </a:rPr>
-              <a:t> utilisé :</a:t>
+              <a:t>RÉPONSE (2) :</a:t>
             </a:r>
           </a:p>
         </p:txBody>
       </p:sp>
       <p:pic>
         <p:nvPicPr>
-          <p:cNvPr id="5" name="Image 4">
-            <a:extLst>
-              <a:ext uri="{FF2B5EF4-FFF2-40B4-BE49-F238E27FC236}">
-                <a16:creationId xmlns:a16="http://schemas.microsoft.com/office/drawing/2014/main" id="{A4FEC967-71C4-7F0D-DE3F-C3B6EF627528}"/>
+          <p:cNvPr id="6" name="Graphique 5" descr="Homme">
+            <a:extLst>
+              <a:ext uri="{FF2B5EF4-FFF2-40B4-BE49-F238E27FC236}">
+                <a16:creationId xmlns:a16="http://schemas.microsoft.com/office/drawing/2014/main" id="{16F39EE2-1499-0D49-1B4F-7597847F41EB}"/>
               </a:ext>
             </a:extLst>
           </p:cNvPr>
@@ -6471,10 +6691,13 @@
           </p:nvPr>
         </p:nvPicPr>
         <p:blipFill>
-          <a:blip r:embed="rId6">
+          <a:blip r:embed="rId11">
             <a:extLst>
               <a:ext uri="{28A0092B-C50C-407E-A947-70E740481C1C}">
                 <a14:useLocalDpi xmlns:a14="http://schemas.microsoft.com/office/drawing/2010/main" val="0"/>
+              </a:ext>
+              <a:ext uri="{96DAC541-7B7A-43D3-8B79-37D633B846F1}">
+                <asvg:svgBlip xmlns:asvg="http://schemas.microsoft.com/office/drawing/2016/SVG/main" r:embed="rId12"/>
               </a:ext>
             </a:extLst>
           </a:blip>
@@ -6484,69 +6707,303 @@
         </p:blipFill>
         <p:spPr>
           <a:xfrm>
-            <a:off x="454913" y="2973394"/>
-            <a:ext cx="4019551" cy="911211"/>
+            <a:off x="208522" y="1798320"/>
+            <a:ext cx="4403731" cy="4403731"/>
           </a:xfrm>
           <a:prstGeom prst="rect">
             <a:avLst/>
           </a:prstGeom>
         </p:spPr>
       </p:pic>
-      <p:pic>
-        <p:nvPicPr>
-          <p:cNvPr id="1026" name="Picture 2" descr="LightGBM - Another gradient boosting algorithm">
-            <a:extLst>
-              <a:ext uri="{FF2B5EF4-FFF2-40B4-BE49-F238E27FC236}">
-                <a16:creationId xmlns:a16="http://schemas.microsoft.com/office/drawing/2014/main" id="{A19E8C82-7804-7171-07EE-DDB38E3B2167}"/>
-              </a:ext>
-            </a:extLst>
-          </p:cNvPr>
-          <p:cNvPicPr>
-            <a:picLocks noChangeAspect="1" noChangeArrowheads="1"/>
-          </p:cNvPicPr>
+      <p:sp>
+        <p:nvSpPr>
+          <p:cNvPr id="9" name="Titre 1">
+            <a:extLst>
+              <a:ext uri="{FF2B5EF4-FFF2-40B4-BE49-F238E27FC236}">
+                <a16:creationId xmlns:a16="http://schemas.microsoft.com/office/drawing/2014/main" id="{1674EF03-3BC0-4D06-B647-93AA1E1A5754}"/>
+              </a:ext>
+            </a:extLst>
+          </p:cNvPr>
+          <p:cNvSpPr txBox="1">
+            <a:spLocks/>
+          </p:cNvSpPr>
           <p:nvPr>
             <p:custDataLst>
               <p:tags r:id="rId4"/>
             </p:custDataLst>
           </p:nvPr>
+        </p:nvSpPr>
+        <p:spPr>
+          <a:xfrm>
+            <a:off x="6186232" y="2052945"/>
+            <a:ext cx="4924273" cy="1376055"/>
+          </a:xfrm>
+          <a:prstGeom prst="rect">
+            <a:avLst/>
+          </a:prstGeom>
+        </p:spPr>
+        <p:txBody>
+          <a:bodyPr vert="horz" lIns="91440" tIns="45720" rIns="91440" bIns="45720" rtlCol="0" anchor="t">
+            <a:noAutofit/>
+          </a:bodyPr>
+          <a:lstStyle>
+            <a:lvl1pPr algn="ctr" defTabSz="914400" rtl="0" eaLnBrk="1" latinLnBrk="0" hangingPunct="1">
+              <a:lnSpc>
+                <a:spcPct val="90000"/>
+              </a:lnSpc>
+              <a:spcBef>
+                <a:spcPct val="0"/>
+              </a:spcBef>
+              <a:buNone/>
+              <a:defRPr sz="6000" kern="1200">
+                <a:solidFill>
+                  <a:schemeClr val="tx1"/>
+                </a:solidFill>
+                <a:latin typeface="+mj-lt"/>
+                <a:ea typeface="+mj-ea"/>
+                <a:cs typeface="+mj-cs"/>
+              </a:defRPr>
+            </a:lvl1pPr>
+          </a:lstStyle>
+          <a:p>
+            <a:pPr>
+              <a:lnSpc>
+                <a:spcPct val="150000"/>
+              </a:lnSpc>
+            </a:pPr>
+            <a:r>
+              <a:rPr lang="fr-FR" sz="4000" dirty="0">
+                <a:solidFill>
+                  <a:schemeClr val="bg2">
+                    <a:lumMod val="25000"/>
+                  </a:schemeClr>
+                </a:solidFill>
+                <a:latin typeface="Franklin Gothic Heavy" panose="020B0903020102020204" pitchFamily="34" charset="0"/>
+              </a:rPr>
+              <a:t>Maximisation d’un score F1 avec poids ( 0.15, 0.85 )</a:t>
+            </a:r>
+          </a:p>
+        </p:txBody>
+      </p:sp>
+      <p:pic>
+        <p:nvPicPr>
+          <p:cNvPr id="2" name="Graphique 1" descr="Homme">
+            <a:extLst>
+              <a:ext uri="{FF2B5EF4-FFF2-40B4-BE49-F238E27FC236}">
+                <a16:creationId xmlns:a16="http://schemas.microsoft.com/office/drawing/2014/main" id="{CAC3D731-F326-2F44-AD2A-6D6120AB4AB1}"/>
+              </a:ext>
+            </a:extLst>
+          </p:cNvPr>
+          <p:cNvPicPr>
+            <a:picLocks noChangeAspect="1"/>
+          </p:cNvPicPr>
+          <p:nvPr>
+            <p:custDataLst>
+              <p:tags r:id="rId5"/>
+            </p:custDataLst>
+          </p:nvPr>
         </p:nvPicPr>
         <p:blipFill>
-          <a:blip r:embed="rId7">
+          <a:blip r:embed="rId13">
             <a:extLst>
               <a:ext uri="{28A0092B-C50C-407E-A947-70E740481C1C}">
                 <a14:useLocalDpi xmlns:a14="http://schemas.microsoft.com/office/drawing/2010/main" val="0"/>
               </a:ext>
+              <a:ext uri="{96DAC541-7B7A-43D3-8B79-37D633B846F1}">
+                <asvg:svgBlip xmlns:asvg="http://schemas.microsoft.com/office/drawing/2016/SVG/main" r:embed="rId14"/>
+              </a:ext>
             </a:extLst>
           </a:blip>
-          <a:srcRect/>
           <a:stretch>
             <a:fillRect/>
           </a:stretch>
         </p:blipFill>
-        <p:spPr bwMode="auto">
-          <a:xfrm>
-            <a:off x="4775454" y="1749095"/>
-            <a:ext cx="7120128" cy="3359810"/>
+        <p:spPr>
+          <a:xfrm>
+            <a:off x="3513333" y="5200357"/>
+            <a:ext cx="911351" cy="911351"/>
           </a:xfrm>
           <a:prstGeom prst="rect">
             <a:avLst/>
           </a:prstGeom>
-          <a:noFill/>
-          <a:extLst>
-            <a:ext uri="{909E8E84-426E-40DD-AFC4-6F175D3DCCD1}">
-              <a14:hiddenFill xmlns:a14="http://schemas.microsoft.com/office/drawing/2010/main">
-                <a:solidFill>
-                  <a:srgbClr val="FFFFFF"/>
-                </a:solidFill>
-              </a14:hiddenFill>
-            </a:ext>
-          </a:extLst>
+        </p:spPr>
+      </p:pic>
+      <p:pic>
+        <p:nvPicPr>
+          <p:cNvPr id="3" name="Graphique 2" descr="Homme">
+            <a:extLst>
+              <a:ext uri="{FF2B5EF4-FFF2-40B4-BE49-F238E27FC236}">
+                <a16:creationId xmlns:a16="http://schemas.microsoft.com/office/drawing/2014/main" id="{3F3600C8-EA6D-15BB-195B-00C972799FF7}"/>
+              </a:ext>
+            </a:extLst>
+          </p:cNvPr>
+          <p:cNvPicPr>
+            <a:picLocks noChangeAspect="1"/>
+          </p:cNvPicPr>
+          <p:nvPr>
+            <p:custDataLst>
+              <p:tags r:id="rId6"/>
+            </p:custDataLst>
+          </p:nvPr>
+        </p:nvPicPr>
+        <p:blipFill>
+          <a:blip r:embed="rId13">
+            <a:extLst>
+              <a:ext uri="{28A0092B-C50C-407E-A947-70E740481C1C}">
+                <a14:useLocalDpi xmlns:a14="http://schemas.microsoft.com/office/drawing/2010/main" val="0"/>
+              </a:ext>
+              <a:ext uri="{96DAC541-7B7A-43D3-8B79-37D633B846F1}">
+                <asvg:svgBlip xmlns:asvg="http://schemas.microsoft.com/office/drawing/2016/SVG/main" r:embed="rId14"/>
+              </a:ext>
+            </a:extLst>
+          </a:blip>
+          <a:stretch>
+            <a:fillRect/>
+          </a:stretch>
+        </p:blipFill>
+        <p:spPr>
+          <a:xfrm>
+            <a:off x="3508218" y="4312799"/>
+            <a:ext cx="911351" cy="911351"/>
+          </a:xfrm>
+          <a:prstGeom prst="rect">
+            <a:avLst/>
+          </a:prstGeom>
+        </p:spPr>
+      </p:pic>
+      <p:pic>
+        <p:nvPicPr>
+          <p:cNvPr id="5" name="Graphique 4" descr="Homme">
+            <a:extLst>
+              <a:ext uri="{FF2B5EF4-FFF2-40B4-BE49-F238E27FC236}">
+                <a16:creationId xmlns:a16="http://schemas.microsoft.com/office/drawing/2014/main" id="{C239CE15-DAA2-07E9-E14E-54C7BF15569C}"/>
+              </a:ext>
+            </a:extLst>
+          </p:cNvPr>
+          <p:cNvPicPr>
+            <a:picLocks noChangeAspect="1"/>
+          </p:cNvPicPr>
+          <p:nvPr>
+            <p:custDataLst>
+              <p:tags r:id="rId7"/>
+            </p:custDataLst>
+          </p:nvPr>
+        </p:nvPicPr>
+        <p:blipFill>
+          <a:blip r:embed="rId13">
+            <a:extLst>
+              <a:ext uri="{28A0092B-C50C-407E-A947-70E740481C1C}">
+                <a14:useLocalDpi xmlns:a14="http://schemas.microsoft.com/office/drawing/2010/main" val="0"/>
+              </a:ext>
+              <a:ext uri="{96DAC541-7B7A-43D3-8B79-37D633B846F1}">
+                <asvg:svgBlip xmlns:asvg="http://schemas.microsoft.com/office/drawing/2016/SVG/main" r:embed="rId14"/>
+              </a:ext>
+            </a:extLst>
+          </a:blip>
+          <a:stretch>
+            <a:fillRect/>
+          </a:stretch>
+        </p:blipFill>
+        <p:spPr>
+          <a:xfrm>
+            <a:off x="3508218" y="3413345"/>
+            <a:ext cx="911351" cy="911351"/>
+          </a:xfrm>
+          <a:prstGeom prst="rect">
+            <a:avLst/>
+          </a:prstGeom>
+        </p:spPr>
+      </p:pic>
+      <p:pic>
+        <p:nvPicPr>
+          <p:cNvPr id="10" name="Graphique 9" descr="Homme">
+            <a:extLst>
+              <a:ext uri="{FF2B5EF4-FFF2-40B4-BE49-F238E27FC236}">
+                <a16:creationId xmlns:a16="http://schemas.microsoft.com/office/drawing/2014/main" id="{5BE1CD49-EF5E-1D2F-BEB2-60B81E44D5D6}"/>
+              </a:ext>
+            </a:extLst>
+          </p:cNvPr>
+          <p:cNvPicPr>
+            <a:picLocks noChangeAspect="1"/>
+          </p:cNvPicPr>
+          <p:nvPr>
+            <p:custDataLst>
+              <p:tags r:id="rId8"/>
+            </p:custDataLst>
+          </p:nvPr>
+        </p:nvPicPr>
+        <p:blipFill>
+          <a:blip r:embed="rId13">
+            <a:extLst>
+              <a:ext uri="{28A0092B-C50C-407E-A947-70E740481C1C}">
+                <a14:useLocalDpi xmlns:a14="http://schemas.microsoft.com/office/drawing/2010/main" val="0"/>
+              </a:ext>
+              <a:ext uri="{96DAC541-7B7A-43D3-8B79-37D633B846F1}">
+                <asvg:svgBlip xmlns:asvg="http://schemas.microsoft.com/office/drawing/2016/SVG/main" r:embed="rId14"/>
+              </a:ext>
+            </a:extLst>
+          </a:blip>
+          <a:stretch>
+            <a:fillRect/>
+          </a:stretch>
+        </p:blipFill>
+        <p:spPr>
+          <a:xfrm>
+            <a:off x="3508218" y="2525787"/>
+            <a:ext cx="911351" cy="911351"/>
+          </a:xfrm>
+          <a:prstGeom prst="rect">
+            <a:avLst/>
+          </a:prstGeom>
+        </p:spPr>
+      </p:pic>
+      <p:pic>
+        <p:nvPicPr>
+          <p:cNvPr id="11" name="Graphique 10" descr="Homme">
+            <a:extLst>
+              <a:ext uri="{FF2B5EF4-FFF2-40B4-BE49-F238E27FC236}">
+                <a16:creationId xmlns:a16="http://schemas.microsoft.com/office/drawing/2014/main" id="{54CE743C-BE70-0A06-5AA5-41E7A21FF005}"/>
+              </a:ext>
+            </a:extLst>
+          </p:cNvPr>
+          <p:cNvPicPr>
+            <a:picLocks noChangeAspect="1"/>
+          </p:cNvPicPr>
+          <p:nvPr>
+            <p:custDataLst>
+              <p:tags r:id="rId9"/>
+            </p:custDataLst>
+          </p:nvPr>
+        </p:nvPicPr>
+        <p:blipFill>
+          <a:blip r:embed="rId13">
+            <a:extLst>
+              <a:ext uri="{28A0092B-C50C-407E-A947-70E740481C1C}">
+                <a14:useLocalDpi xmlns:a14="http://schemas.microsoft.com/office/drawing/2010/main" val="0"/>
+              </a:ext>
+              <a:ext uri="{96DAC541-7B7A-43D3-8B79-37D633B846F1}">
+                <asvg:svgBlip xmlns:asvg="http://schemas.microsoft.com/office/drawing/2016/SVG/main" r:embed="rId14"/>
+              </a:ext>
+            </a:extLst>
+          </a:blip>
+          <a:stretch>
+            <a:fillRect/>
+          </a:stretch>
+        </p:blipFill>
+        <p:spPr>
+          <a:xfrm>
+            <a:off x="3514826" y="1650126"/>
+            <a:ext cx="911351" cy="911351"/>
+          </a:xfrm>
+          <a:prstGeom prst="rect">
+            <a:avLst/>
+          </a:prstGeom>
         </p:spPr>
       </p:pic>
     </p:spTree>
     <p:extLst>
       <p:ext uri="{BB962C8B-B14F-4D97-AF65-F5344CB8AC3E}">
-        <p14:creationId xmlns:p14="http://schemas.microsoft.com/office/powerpoint/2010/main" val="3193218868"/>
+        <p14:creationId xmlns:p14="http://schemas.microsoft.com/office/powerpoint/2010/main" val="2731210221"/>
       </p:ext>
     </p:extLst>
   </p:cSld>
@@ -6772,8 +7229,8 @@
         </p:nvSpPr>
         <p:spPr>
           <a:xfrm>
-            <a:off x="604009" y="361401"/>
-            <a:ext cx="10972800" cy="1062625"/>
+            <a:off x="3474396" y="117561"/>
+            <a:ext cx="5243203" cy="1062625"/>
           </a:xfrm>
         </p:spPr>
         <p:txBody>
@@ -6788,7 +7245,7 @@
               </a:lnSpc>
             </a:pPr>
             <a:r>
-              <a:rPr lang="fr-FR" sz="4800" cap="all" dirty="0">
+              <a:rPr lang="fr-FR" sz="4800" cap="all" dirty="0" err="1">
                 <a:solidFill>
                   <a:schemeClr val="accent2">
                     <a:lumMod val="75000"/>
@@ -6796,17 +7253,68 @@
                 </a:solidFill>
                 <a:latin typeface="Franklin Gothic Heavy" panose="020B0903020102020204" pitchFamily="34" charset="0"/>
               </a:rPr>
-              <a:t>SÉLECTION DES Hyperparamètres :</a:t>
+              <a:t>MODèle</a:t>
+            </a:r>
+            <a:r>
+              <a:rPr lang="fr-FR" sz="4800" cap="all" dirty="0">
+                <a:solidFill>
+                  <a:schemeClr val="accent2">
+                    <a:lumMod val="75000"/>
+                  </a:schemeClr>
+                </a:solidFill>
+                <a:latin typeface="Franklin Gothic Heavy" panose="020B0903020102020204" pitchFamily="34" charset="0"/>
+              </a:rPr>
+              <a:t> utilisé :</a:t>
             </a:r>
           </a:p>
         </p:txBody>
       </p:sp>
       <p:pic>
         <p:nvPicPr>
-          <p:cNvPr id="2050" name="Picture 2">
-            <a:extLst>
-              <a:ext uri="{FF2B5EF4-FFF2-40B4-BE49-F238E27FC236}">
-                <a16:creationId xmlns:a16="http://schemas.microsoft.com/office/drawing/2014/main" id="{947D69D9-336E-3B04-3DC1-08008392D4B8}"/>
+          <p:cNvPr id="5" name="Image 4">
+            <a:extLst>
+              <a:ext uri="{FF2B5EF4-FFF2-40B4-BE49-F238E27FC236}">
+                <a16:creationId xmlns:a16="http://schemas.microsoft.com/office/drawing/2014/main" id="{A4FEC967-71C4-7F0D-DE3F-C3B6EF627528}"/>
+              </a:ext>
+            </a:extLst>
+          </p:cNvPr>
+          <p:cNvPicPr>
+            <a:picLocks noChangeAspect="1"/>
+          </p:cNvPicPr>
+          <p:nvPr>
+            <p:custDataLst>
+              <p:tags r:id="rId3"/>
+            </p:custDataLst>
+          </p:nvPr>
+        </p:nvPicPr>
+        <p:blipFill>
+          <a:blip r:embed="rId6">
+            <a:extLst>
+              <a:ext uri="{28A0092B-C50C-407E-A947-70E740481C1C}">
+                <a14:useLocalDpi xmlns:a14="http://schemas.microsoft.com/office/drawing/2010/main" val="0"/>
+              </a:ext>
+            </a:extLst>
+          </a:blip>
+          <a:stretch>
+            <a:fillRect/>
+          </a:stretch>
+        </p:blipFill>
+        <p:spPr>
+          <a:xfrm>
+            <a:off x="454913" y="2973394"/>
+            <a:ext cx="4019551" cy="911211"/>
+          </a:xfrm>
+          <a:prstGeom prst="rect">
+            <a:avLst/>
+          </a:prstGeom>
+        </p:spPr>
+      </p:pic>
+      <p:pic>
+        <p:nvPicPr>
+          <p:cNvPr id="1026" name="Picture 2" descr="LightGBM - Another gradient boosting algorithm">
+            <a:extLst>
+              <a:ext uri="{FF2B5EF4-FFF2-40B4-BE49-F238E27FC236}">
+                <a16:creationId xmlns:a16="http://schemas.microsoft.com/office/drawing/2014/main" id="{A19E8C82-7804-7171-07EE-DDB38E3B2167}"/>
               </a:ext>
             </a:extLst>
           </p:cNvPr>
@@ -6815,12 +7323,12 @@
           </p:cNvPicPr>
           <p:nvPr>
             <p:custDataLst>
-              <p:tags r:id="rId3"/>
+              <p:tags r:id="rId4"/>
             </p:custDataLst>
           </p:nvPr>
         </p:nvPicPr>
         <p:blipFill>
-          <a:blip r:embed="rId6">
+          <a:blip r:embed="rId7">
             <a:extLst>
               <a:ext uri="{28A0092B-C50C-407E-A947-70E740481C1C}">
                 <a14:useLocalDpi xmlns:a14="http://schemas.microsoft.com/office/drawing/2010/main" val="0"/>
@@ -6834,16 +7342,13 @@
         </p:blipFill>
         <p:spPr bwMode="auto">
           <a:xfrm>
-            <a:off x="1297943" y="1424026"/>
-            <a:ext cx="6941820" cy="4417521"/>
+            <a:off x="4775454" y="1749095"/>
+            <a:ext cx="7120128" cy="3359810"/>
           </a:xfrm>
           <a:prstGeom prst="rect">
             <a:avLst/>
           </a:prstGeom>
           <a:noFill/>
-          <a:effectLst>
-            <a:softEdge rad="114300"/>
-          </a:effectLst>
           <a:extLst>
             <a:ext uri="{909E8E84-426E-40DD-AFC4-6F175D3DCCD1}">
               <a14:hiddenFill xmlns:a14="http://schemas.microsoft.com/office/drawing/2010/main">
@@ -6855,90 +7360,10 @@
           </a:extLst>
         </p:spPr>
       </p:pic>
-      <p:sp>
-        <p:nvSpPr>
-          <p:cNvPr id="2" name="Titre 1">
-            <a:extLst>
-              <a:ext uri="{FF2B5EF4-FFF2-40B4-BE49-F238E27FC236}">
-                <a16:creationId xmlns:a16="http://schemas.microsoft.com/office/drawing/2014/main" id="{BB31CC3A-3D62-A23F-66E3-4E6DECF9F494}"/>
-              </a:ext>
-            </a:extLst>
-          </p:cNvPr>
-          <p:cNvSpPr txBox="1">
-            <a:spLocks/>
-          </p:cNvSpPr>
-          <p:nvPr>
-            <p:custDataLst>
-              <p:tags r:id="rId4"/>
-            </p:custDataLst>
-          </p:nvPr>
-        </p:nvSpPr>
-        <p:spPr>
-          <a:xfrm>
-            <a:off x="8070014" y="3053412"/>
-            <a:ext cx="2707714" cy="778324"/>
-          </a:xfrm>
-          <a:prstGeom prst="rect">
-            <a:avLst/>
-          </a:prstGeom>
-        </p:spPr>
-        <p:txBody>
-          <a:bodyPr vert="horz" lIns="91440" tIns="45720" rIns="91440" bIns="45720" rtlCol="0" anchor="t">
-            <a:noAutofit/>
-          </a:bodyPr>
-          <a:lstStyle>
-            <a:lvl1pPr algn="ctr" defTabSz="914400" rtl="0" eaLnBrk="1" latinLnBrk="0" hangingPunct="1">
-              <a:lnSpc>
-                <a:spcPct val="90000"/>
-              </a:lnSpc>
-              <a:spcBef>
-                <a:spcPct val="0"/>
-              </a:spcBef>
-              <a:buNone/>
-              <a:defRPr sz="6000" kern="1200">
-                <a:solidFill>
-                  <a:schemeClr val="tx1"/>
-                </a:solidFill>
-                <a:latin typeface="+mj-lt"/>
-                <a:ea typeface="+mj-ea"/>
-                <a:cs typeface="+mj-cs"/>
-              </a:defRPr>
-            </a:lvl1pPr>
-          </a:lstStyle>
-          <a:p>
-            <a:pPr algn="l">
-              <a:lnSpc>
-                <a:spcPct val="100000"/>
-              </a:lnSpc>
-            </a:pPr>
-            <a:r>
-              <a:rPr lang="fr-FR" sz="3200" dirty="0">
-                <a:solidFill>
-                  <a:schemeClr val="tx1">
-                    <a:lumMod val="85000"/>
-                    <a:lumOff val="15000"/>
-                  </a:schemeClr>
-                </a:solidFill>
-                <a:latin typeface="Franklin Gothic Heavy" panose="020B0903020102020204" pitchFamily="34" charset="0"/>
-              </a:rPr>
-              <a:t>Optimisation bayésienne</a:t>
-            </a:r>
-            <a:endParaRPr lang="fr-FR" sz="3200" cap="all" dirty="0">
-              <a:solidFill>
-                <a:schemeClr val="tx1">
-                  <a:lumMod val="85000"/>
-                  <a:lumOff val="15000"/>
-                </a:schemeClr>
-              </a:solidFill>
-              <a:latin typeface="Franklin Gothic Heavy" panose="020B0903020102020204" pitchFamily="34" charset="0"/>
-            </a:endParaRPr>
-          </a:p>
-        </p:txBody>
-      </p:sp>
     </p:spTree>
     <p:extLst>
       <p:ext uri="{BB962C8B-B14F-4D97-AF65-F5344CB8AC3E}">
-        <p14:creationId xmlns:p14="http://schemas.microsoft.com/office/powerpoint/2010/main" val="4000080966"/>
+        <p14:creationId xmlns:p14="http://schemas.microsoft.com/office/powerpoint/2010/main" val="3193218868"/>
       </p:ext>
     </p:extLst>
   </p:cSld>
@@ -7164,8 +7589,8 @@
         </p:nvSpPr>
         <p:spPr>
           <a:xfrm>
-            <a:off x="4248831" y="221353"/>
-            <a:ext cx="3694338" cy="1062625"/>
+            <a:off x="604009" y="361401"/>
+            <a:ext cx="10972800" cy="1062625"/>
           </a:xfrm>
         </p:spPr>
         <p:txBody>
@@ -7188,17 +7613,17 @@
                 </a:solidFill>
                 <a:latin typeface="Franklin Gothic Heavy" panose="020B0903020102020204" pitchFamily="34" charset="0"/>
               </a:rPr>
-              <a:t>Scores (1) :</a:t>
+              <a:t>SÉLECTION DES Hyperparamètres :</a:t>
             </a:r>
           </a:p>
         </p:txBody>
       </p:sp>
       <p:pic>
         <p:nvPicPr>
-          <p:cNvPr id="3074" name="Picture 2">
-            <a:extLst>
-              <a:ext uri="{FF2B5EF4-FFF2-40B4-BE49-F238E27FC236}">
-                <a16:creationId xmlns:a16="http://schemas.microsoft.com/office/drawing/2014/main" id="{24F8B357-A5F8-404B-9787-1B68EA4CD397}"/>
+          <p:cNvPr id="2050" name="Picture 2">
+            <a:extLst>
+              <a:ext uri="{FF2B5EF4-FFF2-40B4-BE49-F238E27FC236}">
+                <a16:creationId xmlns:a16="http://schemas.microsoft.com/office/drawing/2014/main" id="{947D69D9-336E-3B04-3DC1-08008392D4B8}"/>
               </a:ext>
             </a:extLst>
           </p:cNvPr>
@@ -7226,13 +7651,16 @@
         </p:blipFill>
         <p:spPr bwMode="auto">
           <a:xfrm>
-            <a:off x="1215697" y="1406584"/>
-            <a:ext cx="6107868" cy="4398931"/>
+            <a:off x="1297943" y="1424026"/>
+            <a:ext cx="6941820" cy="4417521"/>
           </a:xfrm>
           <a:prstGeom prst="rect">
             <a:avLst/>
           </a:prstGeom>
           <a:noFill/>
+          <a:effectLst>
+            <a:softEdge rad="114300"/>
+          </a:effectLst>
           <a:extLst>
             <a:ext uri="{909E8E84-426E-40DD-AFC4-6F175D3DCCD1}">
               <a14:hiddenFill xmlns:a14="http://schemas.microsoft.com/office/drawing/2010/main">
@@ -7249,7 +7677,7 @@
           <p:cNvPr id="2" name="Titre 1">
             <a:extLst>
               <a:ext uri="{FF2B5EF4-FFF2-40B4-BE49-F238E27FC236}">
-                <a16:creationId xmlns:a16="http://schemas.microsoft.com/office/drawing/2014/main" id="{1CACBAB6-6BE7-39E3-EF30-EC4AEA32B641}"/>
+                <a16:creationId xmlns:a16="http://schemas.microsoft.com/office/drawing/2014/main" id="{BB31CC3A-3D62-A23F-66E3-4E6DECF9F494}"/>
               </a:ext>
             </a:extLst>
           </p:cNvPr>
@@ -7264,8 +7692,8 @@
         </p:nvSpPr>
         <p:spPr>
           <a:xfrm>
-            <a:off x="7818087" y="3039838"/>
-            <a:ext cx="3439234" cy="778324"/>
+            <a:off x="8070014" y="3053412"/>
+            <a:ext cx="2707714" cy="778324"/>
           </a:xfrm>
           <a:prstGeom prst="rect">
             <a:avLst/>
@@ -7301,7 +7729,7 @@
               </a:lnSpc>
             </a:pPr>
             <a:r>
-              <a:rPr lang="fr-FR" sz="4800" dirty="0">
+              <a:rPr lang="fr-FR" sz="3200" dirty="0">
                 <a:solidFill>
                   <a:schemeClr val="tx1">
                     <a:lumMod val="85000"/>
@@ -7310,9 +7738,9 @@
                 </a:solidFill>
                 <a:latin typeface="Franklin Gothic Heavy" panose="020B0903020102020204" pitchFamily="34" charset="0"/>
               </a:rPr>
-              <a:t>AUC = 0.79</a:t>
+              <a:t>Optimisation bayésienne</a:t>
             </a:r>
-            <a:endParaRPr lang="fr-FR" sz="4800" cap="all" dirty="0">
+            <a:endParaRPr lang="fr-FR" sz="3200" cap="all" dirty="0">
               <a:solidFill>
                 <a:schemeClr val="tx1">
                   <a:lumMod val="85000"/>
@@ -7327,7 +7755,7 @@
     </p:spTree>
     <p:extLst>
       <p:ext uri="{BB962C8B-B14F-4D97-AF65-F5344CB8AC3E}">
-        <p14:creationId xmlns:p14="http://schemas.microsoft.com/office/powerpoint/2010/main" val="2690081277"/>
+        <p14:creationId xmlns:p14="http://schemas.microsoft.com/office/powerpoint/2010/main" val="4000080966"/>
       </p:ext>
     </p:extLst>
   </p:cSld>
@@ -7382,6 +7810,83 @@
           <a:chExt cx="0" cy="0"/>
         </a:xfrm>
       </p:grpSpPr>
+      <p:pic>
+        <p:nvPicPr>
+          <p:cNvPr id="3" name="Image 2">
+            <a:extLst>
+              <a:ext uri="{FF2B5EF4-FFF2-40B4-BE49-F238E27FC236}">
+                <a16:creationId xmlns:a16="http://schemas.microsoft.com/office/drawing/2014/main" id="{4DCBAC61-BFCB-C689-32AC-0E774C262DD1}"/>
+              </a:ext>
+            </a:extLst>
+          </p:cNvPr>
+          <p:cNvPicPr>
+            <a:picLocks noChangeAspect="1"/>
+          </p:cNvPicPr>
+          <p:nvPr/>
+        </p:nvPicPr>
+        <p:blipFill>
+          <a:blip r:embed="rId4"/>
+          <a:stretch>
+            <a:fillRect/>
+          </a:stretch>
+        </p:blipFill>
+        <p:spPr>
+          <a:xfrm>
+            <a:off x="5911204" y="2528506"/>
+            <a:ext cx="5665605" cy="1800987"/>
+          </a:xfrm>
+          <a:prstGeom prst="rect">
+            <a:avLst/>
+          </a:prstGeom>
+        </p:spPr>
+      </p:pic>
+      <p:pic>
+        <p:nvPicPr>
+          <p:cNvPr id="1026" name="Picture 2">
+            <a:extLst>
+              <a:ext uri="{FF2B5EF4-FFF2-40B4-BE49-F238E27FC236}">
+                <a16:creationId xmlns:a16="http://schemas.microsoft.com/office/drawing/2014/main" id="{C135FE44-403D-E930-5C02-A1B416850F24}"/>
+              </a:ext>
+            </a:extLst>
+          </p:cNvPr>
+          <p:cNvPicPr>
+            <a:picLocks noChangeAspect="1" noChangeArrowheads="1"/>
+          </p:cNvPicPr>
+          <p:nvPr/>
+        </p:nvPicPr>
+        <p:blipFill>
+          <a:blip r:embed="rId5">
+            <a:extLst>
+              <a:ext uri="{28A0092B-C50C-407E-A947-70E740481C1C}">
+                <a14:useLocalDpi xmlns:a14="http://schemas.microsoft.com/office/drawing/2010/main" val="0"/>
+              </a:ext>
+            </a:extLst>
+          </a:blip>
+          <a:srcRect/>
+          <a:stretch>
+            <a:fillRect/>
+          </a:stretch>
+        </p:blipFill>
+        <p:spPr bwMode="auto">
+          <a:xfrm>
+            <a:off x="812292" y="1814909"/>
+            <a:ext cx="4684013" cy="3122676"/>
+          </a:xfrm>
+          <a:prstGeom prst="rect">
+            <a:avLst/>
+          </a:prstGeom>
+          <a:noFill/>
+          <a:extLst>
+            <a:ext uri="{909E8E84-426E-40DD-AFC4-6F175D3DCCD1}">
+              <a14:hiddenFill xmlns:a14="http://schemas.microsoft.com/office/drawing/2010/main">
+                <a:solidFill>
+                  <a:srgbClr val="FFFFFF"/>
+                </a:solidFill>
+              </a14:hiddenFill>
+            </a:ext>
+          </a:extLst>
+        </p:spPr>
+      </p:pic>
       <p:sp>
         <p:nvSpPr>
           <p:cNvPr id="4" name="Espace réservé du numéro de diapositive 2">
@@ -7553,8 +8058,8 @@
         </p:nvSpPr>
         <p:spPr>
           <a:xfrm>
-            <a:off x="4248831" y="245737"/>
-            <a:ext cx="3694338" cy="1062625"/>
+            <a:off x="4555684" y="245737"/>
+            <a:ext cx="3080631" cy="1062625"/>
           </a:xfrm>
         </p:spPr>
         <p:txBody>
@@ -7577,96 +8082,11 @@
                 </a:solidFill>
                 <a:latin typeface="Franklin Gothic Heavy" panose="020B0903020102020204" pitchFamily="34" charset="0"/>
               </a:rPr>
-              <a:t>Scores (2) :</a:t>
+              <a:t>Scores :</a:t>
             </a:r>
           </a:p>
         </p:txBody>
       </p:sp>
-      <p:pic>
-        <p:nvPicPr>
-          <p:cNvPr id="4098" name="Picture 2">
-            <a:extLst>
-              <a:ext uri="{FF2B5EF4-FFF2-40B4-BE49-F238E27FC236}">
-                <a16:creationId xmlns:a16="http://schemas.microsoft.com/office/drawing/2014/main" id="{0BFEDB37-6C6D-6E08-8BCC-0ACF6FAA10AB}"/>
-              </a:ext>
-            </a:extLst>
-          </p:cNvPr>
-          <p:cNvPicPr>
-            <a:picLocks noChangeAspect="1" noChangeArrowheads="1"/>
-          </p:cNvPicPr>
-          <p:nvPr>
-            <p:custDataLst>
-              <p:tags r:id="rId3"/>
-            </p:custDataLst>
-          </p:nvPr>
-        </p:nvPicPr>
-        <p:blipFill>
-          <a:blip r:embed="rId6">
-            <a:extLst>
-              <a:ext uri="{28A0092B-C50C-407E-A947-70E740481C1C}">
-                <a14:useLocalDpi xmlns:a14="http://schemas.microsoft.com/office/drawing/2010/main" val="0"/>
-              </a:ext>
-            </a:extLst>
-          </a:blip>
-          <a:srcRect/>
-          <a:stretch>
-            <a:fillRect/>
-          </a:stretch>
-        </p:blipFill>
-        <p:spPr bwMode="auto">
-          <a:xfrm>
-            <a:off x="812292" y="1867662"/>
-            <a:ext cx="4684014" cy="3122676"/>
-          </a:xfrm>
-          <a:prstGeom prst="rect">
-            <a:avLst/>
-          </a:prstGeom>
-          <a:noFill/>
-          <a:extLst>
-            <a:ext uri="{909E8E84-426E-40DD-AFC4-6F175D3DCCD1}">
-              <a14:hiddenFill xmlns:a14="http://schemas.microsoft.com/office/drawing/2010/main">
-                <a:solidFill>
-                  <a:srgbClr val="FFFFFF"/>
-                </a:solidFill>
-              </a14:hiddenFill>
-            </a:ext>
-          </a:extLst>
-        </p:spPr>
-      </p:pic>
-      <p:pic>
-        <p:nvPicPr>
-          <p:cNvPr id="5" name="Image 4">
-            <a:extLst>
-              <a:ext uri="{FF2B5EF4-FFF2-40B4-BE49-F238E27FC236}">
-                <a16:creationId xmlns:a16="http://schemas.microsoft.com/office/drawing/2014/main" id="{7FC616B2-0BFB-EC1D-50C9-C9C798C64252}"/>
-              </a:ext>
-            </a:extLst>
-          </p:cNvPr>
-          <p:cNvPicPr>
-            <a:picLocks noChangeAspect="1"/>
-          </p:cNvPicPr>
-          <p:nvPr>
-            <p:custDataLst>
-              <p:tags r:id="rId4"/>
-            </p:custDataLst>
-          </p:nvPr>
-        </p:nvPicPr>
-        <p:blipFill>
-          <a:blip r:embed="rId7"/>
-          <a:stretch>
-            <a:fillRect/>
-          </a:stretch>
-        </p:blipFill>
-        <p:spPr>
-          <a:xfrm>
-            <a:off x="6096000" y="2528506"/>
-            <a:ext cx="5331399" cy="1800987"/>
-          </a:xfrm>
-          <a:prstGeom prst="rect">
-            <a:avLst/>
-          </a:prstGeom>
-        </p:spPr>
-      </p:pic>
     </p:spTree>
     <p:extLst>
       <p:ext uri="{BB962C8B-B14F-4D97-AF65-F5344CB8AC3E}">
@@ -7725,6 +8145,53 @@
           <a:chExt cx="0" cy="0"/>
         </a:xfrm>
       </p:grpSpPr>
+      <p:pic>
+        <p:nvPicPr>
+          <p:cNvPr id="2050" name="Picture 2">
+            <a:extLst>
+              <a:ext uri="{FF2B5EF4-FFF2-40B4-BE49-F238E27FC236}">
+                <a16:creationId xmlns:a16="http://schemas.microsoft.com/office/drawing/2014/main" id="{1BE82783-0862-8FC3-3FF5-1A6F1FC10911}"/>
+              </a:ext>
+            </a:extLst>
+          </p:cNvPr>
+          <p:cNvPicPr>
+            <a:picLocks noChangeAspect="1" noChangeArrowheads="1"/>
+          </p:cNvPicPr>
+          <p:nvPr/>
+        </p:nvPicPr>
+        <p:blipFill>
+          <a:blip r:embed="rId4">
+            <a:extLst>
+              <a:ext uri="{28A0092B-C50C-407E-A947-70E740481C1C}">
+                <a14:useLocalDpi xmlns:a14="http://schemas.microsoft.com/office/drawing/2010/main" val="0"/>
+              </a:ext>
+            </a:extLst>
+          </a:blip>
+          <a:srcRect/>
+          <a:stretch>
+            <a:fillRect/>
+          </a:stretch>
+        </p:blipFill>
+        <p:spPr bwMode="auto">
+          <a:xfrm>
+            <a:off x="2875788" y="1491242"/>
+            <a:ext cx="6410325" cy="4343400"/>
+          </a:xfrm>
+          <a:prstGeom prst="rect">
+            <a:avLst/>
+          </a:prstGeom>
+          <a:noFill/>
+          <a:extLst>
+            <a:ext uri="{909E8E84-426E-40DD-AFC4-6F175D3DCCD1}">
+              <a14:hiddenFill xmlns:a14="http://schemas.microsoft.com/office/drawing/2010/main">
+                <a:solidFill>
+                  <a:srgbClr val="FFFFFF"/>
+                </a:solidFill>
+              </a14:hiddenFill>
+            </a:ext>
+          </a:extLst>
+        </p:spPr>
+      </p:pic>
       <p:sp>
         <p:nvSpPr>
           <p:cNvPr id="4" name="Espace réservé du numéro de diapositive 2">
@@ -7936,57 +8403,6 @@
           </a:p>
         </p:txBody>
       </p:sp>
-      <p:pic>
-        <p:nvPicPr>
-          <p:cNvPr id="5124" name="Picture 4">
-            <a:extLst>
-              <a:ext uri="{FF2B5EF4-FFF2-40B4-BE49-F238E27FC236}">
-                <a16:creationId xmlns:a16="http://schemas.microsoft.com/office/drawing/2014/main" id="{D6AE7F05-3A13-3C69-262E-63521B278FF8}"/>
-              </a:ext>
-            </a:extLst>
-          </p:cNvPr>
-          <p:cNvPicPr>
-            <a:picLocks noChangeAspect="1" noChangeArrowheads="1"/>
-          </p:cNvPicPr>
-          <p:nvPr>
-            <p:custDataLst>
-              <p:tags r:id="rId3"/>
-            </p:custDataLst>
-          </p:nvPr>
-        </p:nvPicPr>
-        <p:blipFill>
-          <a:blip r:embed="rId5">
-            <a:extLst>
-              <a:ext uri="{28A0092B-C50C-407E-A947-70E740481C1C}">
-                <a14:useLocalDpi xmlns:a14="http://schemas.microsoft.com/office/drawing/2010/main" val="0"/>
-              </a:ext>
-            </a:extLst>
-          </a:blip>
-          <a:srcRect/>
-          <a:stretch>
-            <a:fillRect/>
-          </a:stretch>
-        </p:blipFill>
-        <p:spPr bwMode="auto">
-          <a:xfrm>
-            <a:off x="2304288" y="1491242"/>
-            <a:ext cx="6981825" cy="4343400"/>
-          </a:xfrm>
-          <a:prstGeom prst="rect">
-            <a:avLst/>
-          </a:prstGeom>
-          <a:noFill/>
-          <a:extLst>
-            <a:ext uri="{909E8E84-426E-40DD-AFC4-6F175D3DCCD1}">
-              <a14:hiddenFill xmlns:a14="http://schemas.microsoft.com/office/drawing/2010/main">
-                <a:solidFill>
-                  <a:srgbClr val="FFFFFF"/>
-                </a:solidFill>
-              </a14:hiddenFill>
-            </a:ext>
-          </a:extLst>
-        </p:spPr>
-      </p:pic>
     </p:spTree>
     <p:extLst>
       <p:ext uri="{BB962C8B-B14F-4D97-AF65-F5344CB8AC3E}">
@@ -8346,6 +8762,66 @@
           <a:chExt cx="0" cy="0"/>
         </a:xfrm>
       </p:grpSpPr>
+      <p:pic>
+        <p:nvPicPr>
+          <p:cNvPr id="8" name="Image 7">
+            <a:extLst>
+              <a:ext uri="{FF2B5EF4-FFF2-40B4-BE49-F238E27FC236}">
+                <a16:creationId xmlns:a16="http://schemas.microsoft.com/office/drawing/2014/main" id="{2394E48E-FF52-059B-78F8-6FB9B4716EB5}"/>
+              </a:ext>
+            </a:extLst>
+          </p:cNvPr>
+          <p:cNvPicPr>
+            <a:picLocks noChangeAspect="1"/>
+          </p:cNvPicPr>
+          <p:nvPr/>
+        </p:nvPicPr>
+        <p:blipFill>
+          <a:blip r:embed="rId4"/>
+          <a:stretch>
+            <a:fillRect/>
+          </a:stretch>
+        </p:blipFill>
+        <p:spPr>
+          <a:xfrm>
+            <a:off x="1378172" y="1942214"/>
+            <a:ext cx="9793128" cy="1486786"/>
+          </a:xfrm>
+          <a:prstGeom prst="rect">
+            <a:avLst/>
+          </a:prstGeom>
+        </p:spPr>
+      </p:pic>
+      <p:pic>
+        <p:nvPicPr>
+          <p:cNvPr id="5" name="Image 4">
+            <a:extLst>
+              <a:ext uri="{FF2B5EF4-FFF2-40B4-BE49-F238E27FC236}">
+                <a16:creationId xmlns:a16="http://schemas.microsoft.com/office/drawing/2014/main" id="{02F3D730-B47B-215A-E8CC-69C69B38F084}"/>
+              </a:ext>
+            </a:extLst>
+          </p:cNvPr>
+          <p:cNvPicPr>
+            <a:picLocks noChangeAspect="1"/>
+          </p:cNvPicPr>
+          <p:nvPr/>
+        </p:nvPicPr>
+        <p:blipFill>
+          <a:blip r:embed="rId5"/>
+          <a:stretch>
+            <a:fillRect/>
+          </a:stretch>
+        </p:blipFill>
+        <p:spPr>
+          <a:xfrm>
+            <a:off x="1338262" y="3692920"/>
+            <a:ext cx="9793128" cy="1697313"/>
+          </a:xfrm>
+          <a:prstGeom prst="rect">
+            <a:avLst/>
+          </a:prstGeom>
+        </p:spPr>
+      </p:pic>
       <p:sp>
         <p:nvSpPr>
           <p:cNvPr id="4" name="Espace réservé du numéro de diapositive 2">
@@ -8557,74 +9033,6 @@
           </a:p>
         </p:txBody>
       </p:sp>
-      <p:pic>
-        <p:nvPicPr>
-          <p:cNvPr id="3" name="Image 2">
-            <a:extLst>
-              <a:ext uri="{FF2B5EF4-FFF2-40B4-BE49-F238E27FC236}">
-                <a16:creationId xmlns:a16="http://schemas.microsoft.com/office/drawing/2014/main" id="{66661004-60B3-1F1A-5427-E46B26157899}"/>
-              </a:ext>
-            </a:extLst>
-          </p:cNvPr>
-          <p:cNvPicPr>
-            <a:picLocks noChangeAspect="1"/>
-          </p:cNvPicPr>
-          <p:nvPr>
-            <p:custDataLst>
-              <p:tags r:id="rId3"/>
-            </p:custDataLst>
-          </p:nvPr>
-        </p:nvPicPr>
-        <p:blipFill>
-          <a:blip r:embed="rId6"/>
-          <a:stretch>
-            <a:fillRect/>
-          </a:stretch>
-        </p:blipFill>
-        <p:spPr>
-          <a:xfrm>
-            <a:off x="1338262" y="1921576"/>
-            <a:ext cx="9515475" cy="1104900"/>
-          </a:xfrm>
-          <a:prstGeom prst="rect">
-            <a:avLst/>
-          </a:prstGeom>
-        </p:spPr>
-      </p:pic>
-      <p:pic>
-        <p:nvPicPr>
-          <p:cNvPr id="9" name="Image 8">
-            <a:extLst>
-              <a:ext uri="{FF2B5EF4-FFF2-40B4-BE49-F238E27FC236}">
-                <a16:creationId xmlns:a16="http://schemas.microsoft.com/office/drawing/2014/main" id="{E3BEC65E-0B74-11B7-2ED1-5086F4480E6D}"/>
-              </a:ext>
-            </a:extLst>
-          </p:cNvPr>
-          <p:cNvPicPr>
-            <a:picLocks noChangeAspect="1"/>
-          </p:cNvPicPr>
-          <p:nvPr>
-            <p:custDataLst>
-              <p:tags r:id="rId4"/>
-            </p:custDataLst>
-          </p:nvPr>
-        </p:nvPicPr>
-        <p:blipFill>
-          <a:blip r:embed="rId7"/>
-          <a:stretch>
-            <a:fillRect/>
-          </a:stretch>
-        </p:blipFill>
-        <p:spPr>
-          <a:xfrm>
-            <a:off x="1357312" y="3654930"/>
-            <a:ext cx="9496425" cy="1219200"/>
-          </a:xfrm>
-          <a:prstGeom prst="rect">
-            <a:avLst/>
-          </a:prstGeom>
-        </p:spPr>
-      </p:pic>
     </p:spTree>
     <p:extLst>
       <p:ext uri="{BB962C8B-B14F-4D97-AF65-F5344CB8AC3E}">
@@ -8683,6 +9091,100 @@
           <a:chExt cx="0" cy="0"/>
         </a:xfrm>
       </p:grpSpPr>
+      <p:pic>
+        <p:nvPicPr>
+          <p:cNvPr id="3076" name="Picture 4">
+            <a:extLst>
+              <a:ext uri="{FF2B5EF4-FFF2-40B4-BE49-F238E27FC236}">
+                <a16:creationId xmlns:a16="http://schemas.microsoft.com/office/drawing/2014/main" id="{FB9C86F4-000C-5DFE-B5A8-20B56169CD05}"/>
+              </a:ext>
+            </a:extLst>
+          </p:cNvPr>
+          <p:cNvPicPr>
+            <a:picLocks noChangeAspect="1" noChangeArrowheads="1"/>
+          </p:cNvPicPr>
+          <p:nvPr/>
+        </p:nvPicPr>
+        <p:blipFill>
+          <a:blip r:embed="rId4">
+            <a:extLst>
+              <a:ext uri="{28A0092B-C50C-407E-A947-70E740481C1C}">
+                <a14:useLocalDpi xmlns:a14="http://schemas.microsoft.com/office/drawing/2010/main" val="0"/>
+              </a:ext>
+            </a:extLst>
+          </a:blip>
+          <a:srcRect/>
+          <a:stretch>
+            <a:fillRect/>
+          </a:stretch>
+        </p:blipFill>
+        <p:spPr bwMode="auto">
+          <a:xfrm>
+            <a:off x="186854" y="1684606"/>
+            <a:ext cx="5883442" cy="4189069"/>
+          </a:xfrm>
+          <a:prstGeom prst="rect">
+            <a:avLst/>
+          </a:prstGeom>
+          <a:noFill/>
+          <a:extLst>
+            <a:ext uri="{909E8E84-426E-40DD-AFC4-6F175D3DCCD1}">
+              <a14:hiddenFill xmlns:a14="http://schemas.microsoft.com/office/drawing/2010/main">
+                <a:solidFill>
+                  <a:srgbClr val="FFFFFF"/>
+                </a:solidFill>
+              </a14:hiddenFill>
+            </a:ext>
+          </a:extLst>
+        </p:spPr>
+      </p:pic>
+      <p:pic>
+        <p:nvPicPr>
+          <p:cNvPr id="3074" name="Picture 2">
+            <a:extLst>
+              <a:ext uri="{FF2B5EF4-FFF2-40B4-BE49-F238E27FC236}">
+                <a16:creationId xmlns:a16="http://schemas.microsoft.com/office/drawing/2014/main" id="{CB391C7C-55E5-C3F1-D1A9-994B720FE87A}"/>
+              </a:ext>
+            </a:extLst>
+          </p:cNvPr>
+          <p:cNvPicPr>
+            <a:picLocks noChangeAspect="1" noChangeArrowheads="1"/>
+          </p:cNvPicPr>
+          <p:nvPr/>
+        </p:nvPicPr>
+        <p:blipFill>
+          <a:blip r:embed="rId5">
+            <a:extLst>
+              <a:ext uri="{28A0092B-C50C-407E-A947-70E740481C1C}">
+                <a14:useLocalDpi xmlns:a14="http://schemas.microsoft.com/office/drawing/2010/main" val="0"/>
+              </a:ext>
+            </a:extLst>
+          </a:blip>
+          <a:srcRect/>
+          <a:stretch>
+            <a:fillRect/>
+          </a:stretch>
+        </p:blipFill>
+        <p:spPr bwMode="auto">
+          <a:xfrm>
+            <a:off x="5894962" y="1684606"/>
+            <a:ext cx="5695980" cy="4189069"/>
+          </a:xfrm>
+          <a:prstGeom prst="rect">
+            <a:avLst/>
+          </a:prstGeom>
+          <a:noFill/>
+          <a:extLst>
+            <a:ext uri="{909E8E84-426E-40DD-AFC4-6F175D3DCCD1}">
+              <a14:hiddenFill xmlns:a14="http://schemas.microsoft.com/office/drawing/2010/main">
+                <a:solidFill>
+                  <a:srgbClr val="FFFFFF"/>
+                </a:solidFill>
+              </a14:hiddenFill>
+            </a:ext>
+          </a:extLst>
+        </p:spPr>
+      </p:pic>
       <p:sp>
         <p:nvSpPr>
           <p:cNvPr id="4" name="Espace réservé du numéro de diapositive 2">
@@ -8894,108 +9396,6 @@
           </a:p>
         </p:txBody>
       </p:sp>
-      <p:pic>
-        <p:nvPicPr>
-          <p:cNvPr id="7170" name="Picture 2">
-            <a:extLst>
-              <a:ext uri="{FF2B5EF4-FFF2-40B4-BE49-F238E27FC236}">
-                <a16:creationId xmlns:a16="http://schemas.microsoft.com/office/drawing/2014/main" id="{9B049C8F-912C-9F6E-3215-250B07932DBA}"/>
-              </a:ext>
-            </a:extLst>
-          </p:cNvPr>
-          <p:cNvPicPr>
-            <a:picLocks noChangeAspect="1" noChangeArrowheads="1"/>
-          </p:cNvPicPr>
-          <p:nvPr>
-            <p:custDataLst>
-              <p:tags r:id="rId3"/>
-            </p:custDataLst>
-          </p:nvPr>
-        </p:nvPicPr>
-        <p:blipFill>
-          <a:blip r:embed="rId6">
-            <a:extLst>
-              <a:ext uri="{28A0092B-C50C-407E-A947-70E740481C1C}">
-                <a14:useLocalDpi xmlns:a14="http://schemas.microsoft.com/office/drawing/2010/main" val="0"/>
-              </a:ext>
-            </a:extLst>
-          </a:blip>
-          <a:srcRect/>
-          <a:stretch>
-            <a:fillRect/>
-          </a:stretch>
-        </p:blipFill>
-        <p:spPr bwMode="auto">
-          <a:xfrm>
-            <a:off x="5886568" y="1592223"/>
-            <a:ext cx="5766221" cy="4105606"/>
-          </a:xfrm>
-          <a:prstGeom prst="rect">
-            <a:avLst/>
-          </a:prstGeom>
-          <a:noFill/>
-          <a:extLst>
-            <a:ext uri="{909E8E84-426E-40DD-AFC4-6F175D3DCCD1}">
-              <a14:hiddenFill xmlns:a14="http://schemas.microsoft.com/office/drawing/2010/main">
-                <a:solidFill>
-                  <a:srgbClr val="FFFFFF"/>
-                </a:solidFill>
-              </a14:hiddenFill>
-            </a:ext>
-          </a:extLst>
-        </p:spPr>
-      </p:pic>
-      <p:pic>
-        <p:nvPicPr>
-          <p:cNvPr id="7172" name="Picture 4">
-            <a:extLst>
-              <a:ext uri="{FF2B5EF4-FFF2-40B4-BE49-F238E27FC236}">
-                <a16:creationId xmlns:a16="http://schemas.microsoft.com/office/drawing/2014/main" id="{F5D961FD-105D-44F1-42BD-4C04AC9040C6}"/>
-              </a:ext>
-            </a:extLst>
-          </p:cNvPr>
-          <p:cNvPicPr>
-            <a:picLocks noChangeAspect="1" noChangeArrowheads="1"/>
-          </p:cNvPicPr>
-          <p:nvPr>
-            <p:custDataLst>
-              <p:tags r:id="rId4"/>
-            </p:custDataLst>
-          </p:nvPr>
-        </p:nvPicPr>
-        <p:blipFill>
-          <a:blip r:embed="rId7">
-            <a:extLst>
-              <a:ext uri="{28A0092B-C50C-407E-A947-70E740481C1C}">
-                <a14:useLocalDpi xmlns:a14="http://schemas.microsoft.com/office/drawing/2010/main" val="0"/>
-              </a:ext>
-            </a:extLst>
-          </a:blip>
-          <a:srcRect/>
-          <a:stretch>
-            <a:fillRect/>
-          </a:stretch>
-        </p:blipFill>
-        <p:spPr bwMode="auto">
-          <a:xfrm>
-            <a:off x="165014" y="1508760"/>
-            <a:ext cx="5766222" cy="4240728"/>
-          </a:xfrm>
-          <a:prstGeom prst="rect">
-            <a:avLst/>
-          </a:prstGeom>
-          <a:noFill/>
-          <a:extLst>
-            <a:ext uri="{909E8E84-426E-40DD-AFC4-6F175D3DCCD1}">
-              <a14:hiddenFill xmlns:a14="http://schemas.microsoft.com/office/drawing/2010/main">
-                <a:solidFill>
-                  <a:srgbClr val="FFFFFF"/>
-                </a:solidFill>
-              </a14:hiddenFill>
-            </a:ext>
-          </a:extLst>
-        </p:spPr>
-      </p:pic>
     </p:spTree>
     <p:extLst>
       <p:ext uri="{BB962C8B-B14F-4D97-AF65-F5344CB8AC3E}">
@@ -9947,8 +10347,8 @@
         </p:nvSpPr>
         <p:spPr>
           <a:xfrm>
-            <a:off x="3840946" y="3076247"/>
-            <a:ext cx="4510107" cy="461665"/>
+            <a:off x="3934731" y="2787681"/>
+            <a:ext cx="4510107" cy="1200329"/>
           </a:xfrm>
           <a:prstGeom prst="rect">
             <a:avLst/>
@@ -9968,15 +10368,9 @@
                     <a:lumMod val="75000"/>
                   </a:schemeClr>
                 </a:solidFill>
-                <a:hlinkClick r:id="rId8">
-                  <a:extLst>
-                    <a:ext uri="{A12FA001-AC4F-418D-AE19-62706E023703}">
-                      <ahyp:hlinkClr xmlns:ahyp="http://schemas.microsoft.com/office/drawing/2018/hyperlinkcolor" val="tx"/>
-                    </a:ext>
-                  </a:extLst>
-                </a:hlinkClick>
+                <a:hlinkClick r:id="rId8"/>
               </a:rPr>
-              <a:t>Moteur de recommandation crédit</a:t>
+              <a:t>https://viviante79-projet-7-data-s-ors-vivian-1-dashboard-072022-hsspn7.streamlitapp.com/</a:t>
             </a:r>
             <a:endParaRPr lang="fr-FR" sz="2400" dirty="0">
               <a:solidFill>
@@ -15107,61 +15501,61 @@
 
 <file path=ppt/tags/tag100.xml><?xml version="1.0" encoding="utf-8"?>
 <p:tagLst xmlns:a="http://schemas.openxmlformats.org/drawingml/2006/main" xmlns:r="http://schemas.openxmlformats.org/officeDocument/2006/relationships" xmlns:p="http://schemas.openxmlformats.org/presentationml/2006/main">
+  <p:tag name="NUM" val="3"/>
+</p:tagLst>
+</file>
+
+<file path=ppt/tags/tag101.xml><?xml version="1.0" encoding="utf-8"?>
+<p:tagLst xmlns:a="http://schemas.openxmlformats.org/drawingml/2006/main" xmlns:r="http://schemas.openxmlformats.org/officeDocument/2006/relationships" xmlns:p="http://schemas.openxmlformats.org/presentationml/2006/main">
   <p:tag name="NUM" val="4"/>
 </p:tagLst>
 </file>
 
-<file path=ppt/tags/tag101.xml><?xml version="1.0" encoding="utf-8"?>
+<file path=ppt/tags/tag102.xml><?xml version="1.0" encoding="utf-8"?>
 <p:tagLst xmlns:a="http://schemas.openxmlformats.org/drawingml/2006/main" xmlns:r="http://schemas.openxmlformats.org/officeDocument/2006/relationships" xmlns:p="http://schemas.openxmlformats.org/presentationml/2006/main">
   <p:tag name="NUM" val="1"/>
 </p:tagLst>
 </file>
 
-<file path=ppt/tags/tag102.xml><?xml version="1.0" encoding="utf-8"?>
+<file path=ppt/tags/tag103.xml><?xml version="1.0" encoding="utf-8"?>
 <p:tagLst xmlns:a="http://schemas.openxmlformats.org/drawingml/2006/main" xmlns:r="http://schemas.openxmlformats.org/officeDocument/2006/relationships" xmlns:p="http://schemas.openxmlformats.org/presentationml/2006/main">
   <p:tag name="NUM" val="2"/>
 </p:tagLst>
 </file>
 
-<file path=ppt/tags/tag103.xml><?xml version="1.0" encoding="utf-8"?>
+<file path=ppt/tags/tag104.xml><?xml version="1.0" encoding="utf-8"?>
 <p:tagLst xmlns:a="http://schemas.openxmlformats.org/drawingml/2006/main" xmlns:r="http://schemas.openxmlformats.org/officeDocument/2006/relationships" xmlns:p="http://schemas.openxmlformats.org/presentationml/2006/main">
   <p:tag name="NUM" val="3"/>
 </p:tagLst>
 </file>
 
-<file path=ppt/tags/tag104.xml><?xml version="1.0" encoding="utf-8"?>
+<file path=ppt/tags/tag105.xml><?xml version="1.0" encoding="utf-8"?>
 <p:tagLst xmlns:a="http://schemas.openxmlformats.org/drawingml/2006/main" xmlns:r="http://schemas.openxmlformats.org/officeDocument/2006/relationships" xmlns:p="http://schemas.openxmlformats.org/presentationml/2006/main">
   <p:tag name="NUM" val="4"/>
 </p:tagLst>
 </file>
 
-<file path=ppt/tags/tag105.xml><?xml version="1.0" encoding="utf-8"?>
+<file path=ppt/tags/tag106.xml><?xml version="1.0" encoding="utf-8"?>
 <p:tagLst xmlns:a="http://schemas.openxmlformats.org/drawingml/2006/main" xmlns:r="http://schemas.openxmlformats.org/officeDocument/2006/relationships" xmlns:p="http://schemas.openxmlformats.org/presentationml/2006/main">
   <p:tag name="NUM" val="1"/>
 </p:tagLst>
 </file>
 
-<file path=ppt/tags/tag106.xml><?xml version="1.0" encoding="utf-8"?>
+<file path=ppt/tags/tag107.xml><?xml version="1.0" encoding="utf-8"?>
 <p:tagLst xmlns:a="http://schemas.openxmlformats.org/drawingml/2006/main" xmlns:r="http://schemas.openxmlformats.org/officeDocument/2006/relationships" xmlns:p="http://schemas.openxmlformats.org/presentationml/2006/main">
   <p:tag name="NUM" val="2"/>
 </p:tagLst>
 </file>
 
-<file path=ppt/tags/tag107.xml><?xml version="1.0" encoding="utf-8"?>
-<p:tagLst xmlns:a="http://schemas.openxmlformats.org/drawingml/2006/main" xmlns:r="http://schemas.openxmlformats.org/officeDocument/2006/relationships" xmlns:p="http://schemas.openxmlformats.org/presentationml/2006/main">
-  <p:tag name="NUM" val="3"/>
-</p:tagLst>
-</file>
-
 <file path=ppt/tags/tag108.xml><?xml version="1.0" encoding="utf-8"?>
 <p:tagLst xmlns:a="http://schemas.openxmlformats.org/drawingml/2006/main" xmlns:r="http://schemas.openxmlformats.org/officeDocument/2006/relationships" xmlns:p="http://schemas.openxmlformats.org/presentationml/2006/main">
-  <p:tag name="NUM" val="4"/>
+  <p:tag name="NUM" val="1"/>
 </p:tagLst>
 </file>
 
 <file path=ppt/tags/tag109.xml><?xml version="1.0" encoding="utf-8"?>
 <p:tagLst xmlns:a="http://schemas.openxmlformats.org/drawingml/2006/main" xmlns:r="http://schemas.openxmlformats.org/officeDocument/2006/relationships" xmlns:p="http://schemas.openxmlformats.org/presentationml/2006/main">
-  <p:tag name="NUM" val="1"/>
+  <p:tag name="NUM" val="2"/>
 </p:tagLst>
 </file>
 
@@ -15173,13 +15567,13 @@
 
 <file path=ppt/tags/tag110.xml><?xml version="1.0" encoding="utf-8"?>
 <p:tagLst xmlns:a="http://schemas.openxmlformats.org/drawingml/2006/main" xmlns:r="http://schemas.openxmlformats.org/officeDocument/2006/relationships" xmlns:p="http://schemas.openxmlformats.org/presentationml/2006/main">
-  <p:tag name="NUM" val="2"/>
+  <p:tag name="NUM" val="1"/>
 </p:tagLst>
 </file>
 
 <file path=ppt/tags/tag111.xml><?xml version="1.0" encoding="utf-8"?>
 <p:tagLst xmlns:a="http://schemas.openxmlformats.org/drawingml/2006/main" xmlns:r="http://schemas.openxmlformats.org/officeDocument/2006/relationships" xmlns:p="http://schemas.openxmlformats.org/presentationml/2006/main">
-  <p:tag name="NUM" val="3"/>
+  <p:tag name="NUM" val="2"/>
 </p:tagLst>
 </file>
 
@@ -15197,37 +15591,37 @@
 
 <file path=ppt/tags/tag114.xml><?xml version="1.0" encoding="utf-8"?>
 <p:tagLst xmlns:a="http://schemas.openxmlformats.org/drawingml/2006/main" xmlns:r="http://schemas.openxmlformats.org/officeDocument/2006/relationships" xmlns:p="http://schemas.openxmlformats.org/presentationml/2006/main">
+  <p:tag name="NUM" val="1"/>
+</p:tagLst>
+</file>
+
+<file path=ppt/tags/tag115.xml><?xml version="1.0" encoding="utf-8"?>
+<p:tagLst xmlns:a="http://schemas.openxmlformats.org/drawingml/2006/main" xmlns:r="http://schemas.openxmlformats.org/officeDocument/2006/relationships" xmlns:p="http://schemas.openxmlformats.org/presentationml/2006/main">
+  <p:tag name="NUM" val="2"/>
+</p:tagLst>
+</file>
+
+<file path=ppt/tags/tag116.xml><?xml version="1.0" encoding="utf-8"?>
+<p:tagLst xmlns:a="http://schemas.openxmlformats.org/drawingml/2006/main" xmlns:r="http://schemas.openxmlformats.org/officeDocument/2006/relationships" xmlns:p="http://schemas.openxmlformats.org/presentationml/2006/main">
   <p:tag name="NUM" val="3"/>
 </p:tagLst>
 </file>
 
-<file path=ppt/tags/tag115.xml><?xml version="1.0" encoding="utf-8"?>
-<p:tagLst xmlns:a="http://schemas.openxmlformats.org/drawingml/2006/main" xmlns:r="http://schemas.openxmlformats.org/officeDocument/2006/relationships" xmlns:p="http://schemas.openxmlformats.org/presentationml/2006/main">
-  <p:tag name="NUM" val="4"/>
-</p:tagLst>
-</file>
-
-<file path=ppt/tags/tag116.xml><?xml version="1.0" encoding="utf-8"?>
+<file path=ppt/tags/tag117.xml><?xml version="1.0" encoding="utf-8"?>
 <p:tagLst xmlns:a="http://schemas.openxmlformats.org/drawingml/2006/main" xmlns:r="http://schemas.openxmlformats.org/officeDocument/2006/relationships" xmlns:p="http://schemas.openxmlformats.org/presentationml/2006/main">
   <p:tag name="NUM" val="1"/>
 </p:tagLst>
 </file>
 
-<file path=ppt/tags/tag117.xml><?xml version="1.0" encoding="utf-8"?>
+<file path=ppt/tags/tag118.xml><?xml version="1.0" encoding="utf-8"?>
 <p:tagLst xmlns:a="http://schemas.openxmlformats.org/drawingml/2006/main" xmlns:r="http://schemas.openxmlformats.org/officeDocument/2006/relationships" xmlns:p="http://schemas.openxmlformats.org/presentationml/2006/main">
   <p:tag name="NUM" val="2"/>
 </p:tagLst>
 </file>
 
-<file path=ppt/tags/tag118.xml><?xml version="1.0" encoding="utf-8"?>
+<file path=ppt/tags/tag119.xml><?xml version="1.0" encoding="utf-8"?>
 <p:tagLst xmlns:a="http://schemas.openxmlformats.org/drawingml/2006/main" xmlns:r="http://schemas.openxmlformats.org/officeDocument/2006/relationships" xmlns:p="http://schemas.openxmlformats.org/presentationml/2006/main">
   <p:tag name="NUM" val="3"/>
-</p:tagLst>
-</file>
-
-<file path=ppt/tags/tag119.xml><?xml version="1.0" encoding="utf-8"?>
-<p:tagLst xmlns:a="http://schemas.openxmlformats.org/drawingml/2006/main" xmlns:r="http://schemas.openxmlformats.org/officeDocument/2006/relationships" xmlns:p="http://schemas.openxmlformats.org/presentationml/2006/main">
-  <p:tag name="NUM" val="4"/>
 </p:tagLst>
 </file>
 
@@ -15257,43 +15651,43 @@
 
 <file path=ppt/tags/tag123.xml><?xml version="1.0" encoding="utf-8"?>
 <p:tagLst xmlns:a="http://schemas.openxmlformats.org/drawingml/2006/main" xmlns:r="http://schemas.openxmlformats.org/officeDocument/2006/relationships" xmlns:p="http://schemas.openxmlformats.org/presentationml/2006/main">
+  <p:tag name="NUM" val="4"/>
+</p:tagLst>
+</file>
+
+<file path=ppt/tags/tag124.xml><?xml version="1.0" encoding="utf-8"?>
+<p:tagLst xmlns:a="http://schemas.openxmlformats.org/drawingml/2006/main" xmlns:r="http://schemas.openxmlformats.org/officeDocument/2006/relationships" xmlns:p="http://schemas.openxmlformats.org/presentationml/2006/main">
   <p:tag name="NUM" val="1"/>
 </p:tagLst>
 </file>
 
-<file path=ppt/tags/tag124.xml><?xml version="1.0" encoding="utf-8"?>
+<file path=ppt/tags/tag125.xml><?xml version="1.0" encoding="utf-8"?>
 <p:tagLst xmlns:a="http://schemas.openxmlformats.org/drawingml/2006/main" xmlns:r="http://schemas.openxmlformats.org/officeDocument/2006/relationships" xmlns:p="http://schemas.openxmlformats.org/presentationml/2006/main">
   <p:tag name="NUM" val="2"/>
 </p:tagLst>
 </file>
 
-<file path=ppt/tags/tag125.xml><?xml version="1.0" encoding="utf-8"?>
+<file path=ppt/tags/tag126.xml><?xml version="1.0" encoding="utf-8"?>
 <p:tagLst xmlns:a="http://schemas.openxmlformats.org/drawingml/2006/main" xmlns:r="http://schemas.openxmlformats.org/officeDocument/2006/relationships" xmlns:p="http://schemas.openxmlformats.org/presentationml/2006/main">
   <p:tag name="NUM" val="3"/>
 </p:tagLst>
 </file>
 
-<file path=ppt/tags/tag126.xml><?xml version="1.0" encoding="utf-8"?>
-<p:tagLst xmlns:a="http://schemas.openxmlformats.org/drawingml/2006/main" xmlns:r="http://schemas.openxmlformats.org/officeDocument/2006/relationships" xmlns:p="http://schemas.openxmlformats.org/presentationml/2006/main">
-  <p:tag name="NUM" val="1"/>
-</p:tagLst>
-</file>
-
 <file path=ppt/tags/tag127.xml><?xml version="1.0" encoding="utf-8"?>
 <p:tagLst xmlns:a="http://schemas.openxmlformats.org/drawingml/2006/main" xmlns:r="http://schemas.openxmlformats.org/officeDocument/2006/relationships" xmlns:p="http://schemas.openxmlformats.org/presentationml/2006/main">
-  <p:tag name="NUM" val="2"/>
+  <p:tag name="NUM" val="4"/>
 </p:tagLst>
 </file>
 
 <file path=ppt/tags/tag128.xml><?xml version="1.0" encoding="utf-8"?>
 <p:tagLst xmlns:a="http://schemas.openxmlformats.org/drawingml/2006/main" xmlns:r="http://schemas.openxmlformats.org/officeDocument/2006/relationships" xmlns:p="http://schemas.openxmlformats.org/presentationml/2006/main">
-  <p:tag name="NUM" val="3"/>
+  <p:tag name="NUM" val="5"/>
 </p:tagLst>
 </file>
 
 <file path=ppt/tags/tag129.xml><?xml version="1.0" encoding="utf-8"?>
 <p:tagLst xmlns:a="http://schemas.openxmlformats.org/drawingml/2006/main" xmlns:r="http://schemas.openxmlformats.org/officeDocument/2006/relationships" xmlns:p="http://schemas.openxmlformats.org/presentationml/2006/main">
-  <p:tag name="NUM" val="4"/>
+  <p:tag name="NUM" val="6"/>
 </p:tagLst>
 </file>
 
@@ -15305,47 +15699,11 @@
 
 <file path=ppt/tags/tag130.xml><?xml version="1.0" encoding="utf-8"?>
 <p:tagLst xmlns:a="http://schemas.openxmlformats.org/drawingml/2006/main" xmlns:r="http://schemas.openxmlformats.org/officeDocument/2006/relationships" xmlns:p="http://schemas.openxmlformats.org/presentationml/2006/main">
-  <p:tag name="NUM" val="1"/>
-</p:tagLst>
-</file>
-
-<file path=ppt/tags/tag131.xml><?xml version="1.0" encoding="utf-8"?>
-<p:tagLst xmlns:a="http://schemas.openxmlformats.org/drawingml/2006/main" xmlns:r="http://schemas.openxmlformats.org/officeDocument/2006/relationships" xmlns:p="http://schemas.openxmlformats.org/presentationml/2006/main">
-  <p:tag name="NUM" val="2"/>
-</p:tagLst>
-</file>
-
-<file path=ppt/tags/tag132.xml><?xml version="1.0" encoding="utf-8"?>
-<p:tagLst xmlns:a="http://schemas.openxmlformats.org/drawingml/2006/main" xmlns:r="http://schemas.openxmlformats.org/officeDocument/2006/relationships" xmlns:p="http://schemas.openxmlformats.org/presentationml/2006/main">
-  <p:tag name="NUM" val="3"/>
-</p:tagLst>
-</file>
-
-<file path=ppt/tags/tag133.xml><?xml version="1.0" encoding="utf-8"?>
-<p:tagLst xmlns:a="http://schemas.openxmlformats.org/drawingml/2006/main" xmlns:r="http://schemas.openxmlformats.org/officeDocument/2006/relationships" xmlns:p="http://schemas.openxmlformats.org/presentationml/2006/main">
-  <p:tag name="NUM" val="4"/>
-</p:tagLst>
-</file>
-
-<file path=ppt/tags/tag134.xml><?xml version="1.0" encoding="utf-8"?>
-<p:tagLst xmlns:a="http://schemas.openxmlformats.org/drawingml/2006/main" xmlns:r="http://schemas.openxmlformats.org/officeDocument/2006/relationships" xmlns:p="http://schemas.openxmlformats.org/presentationml/2006/main">
-  <p:tag name="NUM" val="5"/>
-</p:tagLst>
-</file>
-
-<file path=ppt/tags/tag135.xml><?xml version="1.0" encoding="utf-8"?>
-<p:tagLst xmlns:a="http://schemas.openxmlformats.org/drawingml/2006/main" xmlns:r="http://schemas.openxmlformats.org/officeDocument/2006/relationships" xmlns:p="http://schemas.openxmlformats.org/presentationml/2006/main">
-  <p:tag name="NUM" val="6"/>
-</p:tagLst>
-</file>
-
-<file path=ppt/tags/tag136.xml><?xml version="1.0" encoding="utf-8"?>
-<p:tagLst xmlns:a="http://schemas.openxmlformats.org/drawingml/2006/main" xmlns:r="http://schemas.openxmlformats.org/officeDocument/2006/relationships" xmlns:p="http://schemas.openxmlformats.org/presentationml/2006/main">
   <p:tag name="NUM" val="7"/>
 </p:tagLst>
 </file>
 
-<file path=ppt/tags/tag137.xml><?xml version="1.0" encoding="utf-8"?>
+<file path=ppt/tags/tag131.xml><?xml version="1.0" encoding="utf-8"?>
 <p:tagLst xmlns:a="http://schemas.openxmlformats.org/drawingml/2006/main" xmlns:r="http://schemas.openxmlformats.org/officeDocument/2006/relationships" xmlns:p="http://schemas.openxmlformats.org/presentationml/2006/main">
   <p:tag name="NUM" val="8"/>
 </p:tagLst>
@@ -15815,37 +16173,37 @@
 
 <file path=ppt/tags/tag84.xml><?xml version="1.0" encoding="utf-8"?>
 <p:tagLst xmlns:a="http://schemas.openxmlformats.org/drawingml/2006/main" xmlns:r="http://schemas.openxmlformats.org/officeDocument/2006/relationships" xmlns:p="http://schemas.openxmlformats.org/presentationml/2006/main">
-  <p:tag name="NUM" val="5"/>
-</p:tagLst>
-</file>
-
-<file path=ppt/tags/tag85.xml><?xml version="1.0" encoding="utf-8"?>
-<p:tagLst xmlns:a="http://schemas.openxmlformats.org/drawingml/2006/main" xmlns:r="http://schemas.openxmlformats.org/officeDocument/2006/relationships" xmlns:p="http://schemas.openxmlformats.org/presentationml/2006/main">
   <p:tag name="NUM" val="1"/>
 </p:tagLst>
 </file>
 
-<file path=ppt/tags/tag86.xml><?xml version="1.0" encoding="utf-8"?>
+<file path=ppt/tags/tag85.xml><?xml version="1.0" encoding="utf-8"?>
 <p:tagLst xmlns:a="http://schemas.openxmlformats.org/drawingml/2006/main" xmlns:r="http://schemas.openxmlformats.org/officeDocument/2006/relationships" xmlns:p="http://schemas.openxmlformats.org/presentationml/2006/main">
   <p:tag name="NUM" val="2"/>
 </p:tagLst>
 </file>
 
-<file path=ppt/tags/tag87.xml><?xml version="1.0" encoding="utf-8"?>
+<file path=ppt/tags/tag86.xml><?xml version="1.0" encoding="utf-8"?>
 <p:tagLst xmlns:a="http://schemas.openxmlformats.org/drawingml/2006/main" xmlns:r="http://schemas.openxmlformats.org/officeDocument/2006/relationships" xmlns:p="http://schemas.openxmlformats.org/presentationml/2006/main">
   <p:tag name="NUM" val="3"/>
 </p:tagLst>
 </file>
 
-<file path=ppt/tags/tag88.xml><?xml version="1.0" encoding="utf-8"?>
+<file path=ppt/tags/tag87.xml><?xml version="1.0" encoding="utf-8"?>
 <p:tagLst xmlns:a="http://schemas.openxmlformats.org/drawingml/2006/main" xmlns:r="http://schemas.openxmlformats.org/officeDocument/2006/relationships" xmlns:p="http://schemas.openxmlformats.org/presentationml/2006/main">
   <p:tag name="NUM" val="4"/>
 </p:tagLst>
 </file>
 
+<file path=ppt/tags/tag88.xml><?xml version="1.0" encoding="utf-8"?>
+<p:tagLst xmlns:a="http://schemas.openxmlformats.org/drawingml/2006/main" xmlns:r="http://schemas.openxmlformats.org/officeDocument/2006/relationships" xmlns:p="http://schemas.openxmlformats.org/presentationml/2006/main">
+  <p:tag name="NUM" val="5"/>
+</p:tagLst>
+</file>
+
 <file path=ppt/tags/tag89.xml><?xml version="1.0" encoding="utf-8"?>
 <p:tagLst xmlns:a="http://schemas.openxmlformats.org/drawingml/2006/main" xmlns:r="http://schemas.openxmlformats.org/officeDocument/2006/relationships" xmlns:p="http://schemas.openxmlformats.org/presentationml/2006/main">
-  <p:tag name="NUM" val="5"/>
+  <p:tag name="NUM" val="1"/>
 </p:tagLst>
 </file>
 
@@ -15857,37 +16215,37 @@
 
 <file path=ppt/tags/tag90.xml><?xml version="1.0" encoding="utf-8"?>
 <p:tagLst xmlns:a="http://schemas.openxmlformats.org/drawingml/2006/main" xmlns:r="http://schemas.openxmlformats.org/officeDocument/2006/relationships" xmlns:p="http://schemas.openxmlformats.org/presentationml/2006/main">
-  <p:tag name="NUM" val="6"/>
+  <p:tag name="NUM" val="2"/>
 </p:tagLst>
 </file>
 
 <file path=ppt/tags/tag91.xml><?xml version="1.0" encoding="utf-8"?>
 <p:tagLst xmlns:a="http://schemas.openxmlformats.org/drawingml/2006/main" xmlns:r="http://schemas.openxmlformats.org/officeDocument/2006/relationships" xmlns:p="http://schemas.openxmlformats.org/presentationml/2006/main">
-  <p:tag name="NUM" val="7"/>
+  <p:tag name="NUM" val="3"/>
 </p:tagLst>
 </file>
 
 <file path=ppt/tags/tag92.xml><?xml version="1.0" encoding="utf-8"?>
 <p:tagLst xmlns:a="http://schemas.openxmlformats.org/drawingml/2006/main" xmlns:r="http://schemas.openxmlformats.org/officeDocument/2006/relationships" xmlns:p="http://schemas.openxmlformats.org/presentationml/2006/main">
-  <p:tag name="NUM" val="8"/>
+  <p:tag name="NUM" val="5"/>
 </p:tagLst>
 </file>
 
 <file path=ppt/tags/tag93.xml><?xml version="1.0" encoding="utf-8"?>
 <p:tagLst xmlns:a="http://schemas.openxmlformats.org/drawingml/2006/main" xmlns:r="http://schemas.openxmlformats.org/officeDocument/2006/relationships" xmlns:p="http://schemas.openxmlformats.org/presentationml/2006/main">
-  <p:tag name="NUM" val="1"/>
+  <p:tag name="NUM" val="4"/>
 </p:tagLst>
 </file>
 
 <file path=ppt/tags/tag94.xml><?xml version="1.0" encoding="utf-8"?>
 <p:tagLst xmlns:a="http://schemas.openxmlformats.org/drawingml/2006/main" xmlns:r="http://schemas.openxmlformats.org/officeDocument/2006/relationships" xmlns:p="http://schemas.openxmlformats.org/presentationml/2006/main">
-  <p:tag name="NUM" val="2"/>
+  <p:tag name="NUM" val="4"/>
 </p:tagLst>
 </file>
 
 <file path=ppt/tags/tag95.xml><?xml version="1.0" encoding="utf-8"?>
 <p:tagLst xmlns:a="http://schemas.openxmlformats.org/drawingml/2006/main" xmlns:r="http://schemas.openxmlformats.org/officeDocument/2006/relationships" xmlns:p="http://schemas.openxmlformats.org/presentationml/2006/main">
-  <p:tag name="NUM" val="3"/>
+  <p:tag name="NUM" val="4"/>
 </p:tagLst>
 </file>
 
@@ -15899,19 +16257,19 @@
 
 <file path=ppt/tags/tag97.xml><?xml version="1.0" encoding="utf-8"?>
 <p:tagLst xmlns:a="http://schemas.openxmlformats.org/drawingml/2006/main" xmlns:r="http://schemas.openxmlformats.org/officeDocument/2006/relationships" xmlns:p="http://schemas.openxmlformats.org/presentationml/2006/main">
+  <p:tag name="NUM" val="4"/>
+</p:tagLst>
+</file>
+
+<file path=ppt/tags/tag98.xml><?xml version="1.0" encoding="utf-8"?>
+<p:tagLst xmlns:a="http://schemas.openxmlformats.org/drawingml/2006/main" xmlns:r="http://schemas.openxmlformats.org/officeDocument/2006/relationships" xmlns:p="http://schemas.openxmlformats.org/presentationml/2006/main">
   <p:tag name="NUM" val="1"/>
 </p:tagLst>
 </file>
 
-<file path=ppt/tags/tag98.xml><?xml version="1.0" encoding="utf-8"?>
+<file path=ppt/tags/tag99.xml><?xml version="1.0" encoding="utf-8"?>
 <p:tagLst xmlns:a="http://schemas.openxmlformats.org/drawingml/2006/main" xmlns:r="http://schemas.openxmlformats.org/officeDocument/2006/relationships" xmlns:p="http://schemas.openxmlformats.org/presentationml/2006/main">
   <p:tag name="NUM" val="2"/>
-</p:tagLst>
-</file>
-
-<file path=ppt/tags/tag99.xml><?xml version="1.0" encoding="utf-8"?>
-<p:tagLst xmlns:a="http://schemas.openxmlformats.org/drawingml/2006/main" xmlns:r="http://schemas.openxmlformats.org/officeDocument/2006/relationships" xmlns:p="http://schemas.openxmlformats.org/presentationml/2006/main">
-  <p:tag name="NUM" val="3"/>
 </p:tagLst>
 </file>
 
